--- a/D2/3. NLP.pptx
+++ b/D2/3. NLP.pptx
@@ -6,26 +6,27 @@
   </p:sldMasterIdLst>
   <p:sldIdLst>
     <p:sldId id="256" r:id="rId2"/>
-    <p:sldId id="257" r:id="rId3"/>
-    <p:sldId id="258" r:id="rId4"/>
-    <p:sldId id="259" r:id="rId5"/>
-    <p:sldId id="260" r:id="rId6"/>
-    <p:sldId id="261" r:id="rId7"/>
-    <p:sldId id="262" r:id="rId8"/>
-    <p:sldId id="263" r:id="rId9"/>
-    <p:sldId id="264" r:id="rId10"/>
-    <p:sldId id="265" r:id="rId11"/>
-    <p:sldId id="266" r:id="rId12"/>
-    <p:sldId id="267" r:id="rId13"/>
-    <p:sldId id="268" r:id="rId14"/>
-    <p:sldId id="269" r:id="rId15"/>
+    <p:sldId id="270" r:id="rId3"/>
+    <p:sldId id="257" r:id="rId4"/>
+    <p:sldId id="258" r:id="rId5"/>
+    <p:sldId id="259" r:id="rId6"/>
+    <p:sldId id="260" r:id="rId7"/>
+    <p:sldId id="261" r:id="rId8"/>
+    <p:sldId id="262" r:id="rId9"/>
+    <p:sldId id="263" r:id="rId10"/>
+    <p:sldId id="264" r:id="rId11"/>
+    <p:sldId id="265" r:id="rId12"/>
+    <p:sldId id="266" r:id="rId13"/>
+    <p:sldId id="267" r:id="rId14"/>
+    <p:sldId id="268" r:id="rId15"/>
+    <p:sldId id="269" r:id="rId16"/>
   </p:sldIdLst>
   <p:sldSz cx="18288000" cy="10287000"/>
   <p:notesSz cx="6858000" cy="9144000"/>
   <p:embeddedFontLst>
     <p:embeddedFont>
       <p:font typeface="Fredoka One" panose="02000000000000000000" pitchFamily="2" charset="77"/>
-      <p:regular r:id="rId16"/>
+      <p:regular r:id="rId17"/>
     </p:embeddedFont>
   </p:embeddedFontLst>
   <p:defaultTextStyle>
@@ -322,7 +323,7 @@
             <a:fld id="{1D8BD707-D9CF-40AE-B4C6-C98DA3205C09}" type="datetimeFigureOut">
               <a:rPr lang="en-US" smtClean="0"/>
               <a:pPr/>
-              <a:t>6/2/24</a:t>
+              <a:t>6/4/24</a:t>
             </a:fld>
             <a:endParaRPr lang="en-US"/>
           </a:p>
@@ -487,7 +488,7 @@
             <a:fld id="{1D8BD707-D9CF-40AE-B4C6-C98DA3205C09}" type="datetimeFigureOut">
               <a:rPr lang="en-US" smtClean="0"/>
               <a:pPr/>
-              <a:t>6/2/24</a:t>
+              <a:t>6/4/24</a:t>
             </a:fld>
             <a:endParaRPr lang="en-US"/>
           </a:p>
@@ -662,7 +663,7 @@
             <a:fld id="{1D8BD707-D9CF-40AE-B4C6-C98DA3205C09}" type="datetimeFigureOut">
               <a:rPr lang="en-US" smtClean="0"/>
               <a:pPr/>
-              <a:t>6/2/24</a:t>
+              <a:t>6/4/24</a:t>
             </a:fld>
             <a:endParaRPr lang="en-US"/>
           </a:p>
@@ -827,7 +828,7 @@
             <a:fld id="{1D8BD707-D9CF-40AE-B4C6-C98DA3205C09}" type="datetimeFigureOut">
               <a:rPr lang="en-US" smtClean="0"/>
               <a:pPr/>
-              <a:t>6/2/24</a:t>
+              <a:t>6/4/24</a:t>
             </a:fld>
             <a:endParaRPr lang="en-US"/>
           </a:p>
@@ -1069,7 +1070,7 @@
             <a:fld id="{1D8BD707-D9CF-40AE-B4C6-C98DA3205C09}" type="datetimeFigureOut">
               <a:rPr lang="en-US" smtClean="0"/>
               <a:pPr/>
-              <a:t>6/2/24</a:t>
+              <a:t>6/4/24</a:t>
             </a:fld>
             <a:endParaRPr lang="en-US"/>
           </a:p>
@@ -1351,7 +1352,7 @@
             <a:fld id="{1D8BD707-D9CF-40AE-B4C6-C98DA3205C09}" type="datetimeFigureOut">
               <a:rPr lang="en-US" smtClean="0"/>
               <a:pPr/>
-              <a:t>6/2/24</a:t>
+              <a:t>6/4/24</a:t>
             </a:fld>
             <a:endParaRPr lang="en-US"/>
           </a:p>
@@ -1767,7 +1768,7 @@
             <a:fld id="{1D8BD707-D9CF-40AE-B4C6-C98DA3205C09}" type="datetimeFigureOut">
               <a:rPr lang="en-US" smtClean="0"/>
               <a:pPr/>
-              <a:t>6/2/24</a:t>
+              <a:t>6/4/24</a:t>
             </a:fld>
             <a:endParaRPr lang="en-US"/>
           </a:p>
@@ -1881,7 +1882,7 @@
             <a:fld id="{1D8BD707-D9CF-40AE-B4C6-C98DA3205C09}" type="datetimeFigureOut">
               <a:rPr lang="en-US" smtClean="0"/>
               <a:pPr/>
-              <a:t>6/2/24</a:t>
+              <a:t>6/4/24</a:t>
             </a:fld>
             <a:endParaRPr lang="en-US"/>
           </a:p>
@@ -1973,7 +1974,7 @@
             <a:fld id="{1D8BD707-D9CF-40AE-B4C6-C98DA3205C09}" type="datetimeFigureOut">
               <a:rPr lang="en-US" smtClean="0"/>
               <a:pPr/>
-              <a:t>6/2/24</a:t>
+              <a:t>6/4/24</a:t>
             </a:fld>
             <a:endParaRPr lang="en-US"/>
           </a:p>
@@ -2245,7 +2246,7 @@
             <a:fld id="{1D8BD707-D9CF-40AE-B4C6-C98DA3205C09}" type="datetimeFigureOut">
               <a:rPr lang="en-US" smtClean="0"/>
               <a:pPr/>
-              <a:t>6/2/24</a:t>
+              <a:t>6/4/24</a:t>
             </a:fld>
             <a:endParaRPr lang="en-US"/>
           </a:p>
@@ -2494,7 +2495,7 @@
             <a:fld id="{1D8BD707-D9CF-40AE-B4C6-C98DA3205C09}" type="datetimeFigureOut">
               <a:rPr lang="en-US" smtClean="0"/>
               <a:pPr/>
-              <a:t>6/2/24</a:t>
+              <a:t>6/4/24</a:t>
             </a:fld>
             <a:endParaRPr lang="en-US"/>
           </a:p>
@@ -2702,7 +2703,7 @@
             <a:fld id="{1D8BD707-D9CF-40AE-B4C6-C98DA3205C09}" type="datetimeFigureOut">
               <a:rPr lang="en-US" smtClean="0"/>
               <a:pPr/>
-              <a:t>6/2/24</a:t>
+              <a:t>6/4/24</a:t>
             </a:fld>
             <a:endParaRPr lang="en-US"/>
           </a:p>
@@ -3187,31 +3188,111 @@
           </a:p>
         </p:txBody>
       </p:sp>
-      <p:pic>
-        <p:nvPicPr>
-          <p:cNvPr id="3" name="Picture 3"/>
-          <p:cNvPicPr>
-            <a:picLocks noChangeAspect="1"/>
-          </p:cNvPicPr>
+      <p:sp>
+        <p:nvSpPr>
+          <p:cNvPr id="3" name="TextBox 3"/>
+          <p:cNvSpPr txBox="1"/>
           <p:nvPr/>
-        </p:nvPicPr>
-        <p:blipFill>
-          <a:blip r:embed="rId2"/>
-          <a:srcRect/>
-          <a:stretch>
-            <a:fillRect/>
-          </a:stretch>
-        </p:blipFill>
-        <p:spPr>
-          <a:xfrm>
-            <a:off x="949008" y="3212972"/>
-            <a:ext cx="16071817" cy="3861056"/>
+        </p:nvSpPr>
+        <p:spPr>
+          <a:xfrm>
+            <a:off x="1380221" y="3319488"/>
+            <a:ext cx="15539858" cy="4072948"/>
           </a:xfrm>
           <a:prstGeom prst="rect">
             <a:avLst/>
           </a:prstGeom>
         </p:spPr>
-      </p:pic>
+        <p:txBody>
+          <a:bodyPr lIns="0" tIns="0" rIns="0" bIns="0" rtlCol="0" anchor="t">
+            <a:spAutoFit/>
+          </a:bodyPr>
+          <a:lstStyle/>
+          <a:p>
+            <a:pPr>
+              <a:lnSpc>
+                <a:spcPts val="4200"/>
+              </a:lnSpc>
+            </a:pPr>
+            <a:r>
+              <a:rPr lang="en-US" sz="3000">
+                <a:solidFill>
+                  <a:srgbClr val="000000"/>
+                </a:solidFill>
+                <a:latin typeface="Fredoka One"/>
+              </a:rPr>
+              <a:t>Bag of Words model is a standard way to decompose any text into several features that can then be used to train a classifier.</a:t>
+            </a:r>
+          </a:p>
+          <a:p>
+            <a:pPr>
+              <a:lnSpc>
+                <a:spcPts val="4200"/>
+              </a:lnSpc>
+            </a:pPr>
+            <a:endParaRPr lang="en-US" sz="3000">
+              <a:solidFill>
+                <a:srgbClr val="000000"/>
+              </a:solidFill>
+              <a:latin typeface="Fredoka One"/>
+            </a:endParaRPr>
+          </a:p>
+          <a:p>
+            <a:pPr>
+              <a:lnSpc>
+                <a:spcPts val="4200"/>
+              </a:lnSpc>
+            </a:pPr>
+            <a:r>
+              <a:rPr lang="en-US" sz="3000">
+                <a:solidFill>
+                  <a:srgbClr val="000000"/>
+                </a:solidFill>
+                <a:latin typeface="Fredoka One"/>
+              </a:rPr>
+              <a:t>The method consists of taking all the words from all the corpuses/documents/rows and performing one-hot encoding. However, the final value is a frequency of the word rather than a binary variable</a:t>
+            </a:r>
+          </a:p>
+          <a:p>
+            <a:pPr>
+              <a:lnSpc>
+                <a:spcPts val="4200"/>
+              </a:lnSpc>
+            </a:pPr>
+            <a:endParaRPr lang="en-US" sz="3000">
+              <a:solidFill>
+                <a:srgbClr val="000000"/>
+              </a:solidFill>
+              <a:latin typeface="Fredoka One"/>
+            </a:endParaRPr>
+          </a:p>
+          <a:p>
+            <a:pPr>
+              <a:lnSpc>
+                <a:spcPts val="4200"/>
+              </a:lnSpc>
+            </a:pPr>
+            <a:r>
+              <a:rPr lang="en-US" sz="3000">
+                <a:solidFill>
+                  <a:srgbClr val="000000"/>
+                </a:solidFill>
+                <a:latin typeface="Fredoka One"/>
+              </a:rPr>
+              <a:t>In essence, each </a:t>
+            </a:r>
+            <a:r>
+              <a:rPr lang="en-US" sz="3000">
+                <a:solidFill>
+                  <a:srgbClr val="008037"/>
+                </a:solidFill>
+                <a:latin typeface="Fredoka One"/>
+              </a:rPr>
+              <a:t>distinct word becomes a feature </a:t>
+            </a:r>
+          </a:p>
+        </p:txBody>
+      </p:sp>
       <p:sp>
         <p:nvSpPr>
           <p:cNvPr id="4" name="TextBox 4"/>
@@ -3311,15 +3392,15 @@
         </p:nvPicPr>
         <p:blipFill>
           <a:blip r:embed="rId2"/>
-          <a:srcRect l="15431" t="4558" r="7680" b="7340"/>
+          <a:srcRect/>
           <a:stretch>
             <a:fillRect/>
           </a:stretch>
         </p:blipFill>
         <p:spPr>
           <a:xfrm>
-            <a:off x="9487331" y="1760220"/>
-            <a:ext cx="8216516" cy="7068907"/>
+            <a:off x="949008" y="3212972"/>
+            <a:ext cx="16071817" cy="3861056"/>
           </a:xfrm>
           <a:prstGeom prst="rect">
             <a:avLst/>
@@ -3360,241 +3441,6 @@
                 <a:latin typeface="Fredoka One"/>
               </a:rPr>
               <a:t>BAG OF WORDS</a:t>
-            </a:r>
-          </a:p>
-        </p:txBody>
-      </p:sp>
-      <p:sp>
-        <p:nvSpPr>
-          <p:cNvPr id="5" name="TextBox 5"/>
-          <p:cNvSpPr txBox="1"/>
-          <p:nvPr/>
-        </p:nvSpPr>
-        <p:spPr>
-          <a:xfrm>
-            <a:off x="949008" y="1961436"/>
-            <a:ext cx="8538323" cy="7141947"/>
-          </a:xfrm>
-          <a:prstGeom prst="rect">
-            <a:avLst/>
-          </a:prstGeom>
-        </p:spPr>
-        <p:txBody>
-          <a:bodyPr lIns="0" tIns="0" rIns="0" bIns="0" rtlCol="0" anchor="t">
-            <a:spAutoFit/>
-          </a:bodyPr>
-          <a:lstStyle/>
-          <a:p>
-            <a:pPr>
-              <a:lnSpc>
-                <a:spcPts val="4200"/>
-              </a:lnSpc>
-            </a:pPr>
-            <a:r>
-              <a:rPr lang="en-US" sz="3000">
-                <a:solidFill>
-                  <a:srgbClr val="000000"/>
-                </a:solidFill>
-                <a:latin typeface="Fredoka One"/>
-              </a:rPr>
-              <a:t>Problems of bag of words:</a:t>
-            </a:r>
-          </a:p>
-          <a:p>
-            <a:pPr>
-              <a:lnSpc>
-                <a:spcPts val="4200"/>
-              </a:lnSpc>
-            </a:pPr>
-            <a:endParaRPr lang="en-US" sz="3000">
-              <a:solidFill>
-                <a:srgbClr val="000000"/>
-              </a:solidFill>
-              <a:latin typeface="Fredoka One"/>
-            </a:endParaRPr>
-          </a:p>
-          <a:p>
-            <a:pPr>
-              <a:lnSpc>
-                <a:spcPts val="4200"/>
-              </a:lnSpc>
-            </a:pPr>
-            <a:r>
-              <a:rPr lang="en-US" sz="3000">
-                <a:solidFill>
-                  <a:srgbClr val="000000"/>
-                </a:solidFill>
-                <a:latin typeface="Fredoka One"/>
-              </a:rPr>
-              <a:t>- you lose the context of the words within the sentence</a:t>
-            </a:r>
-          </a:p>
-          <a:p>
-            <a:pPr>
-              <a:lnSpc>
-                <a:spcPts val="4200"/>
-              </a:lnSpc>
-            </a:pPr>
-            <a:r>
-              <a:rPr lang="en-US" sz="3000">
-                <a:solidFill>
-                  <a:srgbClr val="000000"/>
-                </a:solidFill>
-                <a:latin typeface="Fredoka One"/>
-              </a:rPr>
-              <a:t>- assumes all words are independent</a:t>
-            </a:r>
-          </a:p>
-          <a:p>
-            <a:pPr>
-              <a:lnSpc>
-                <a:spcPts val="4200"/>
-              </a:lnSpc>
-            </a:pPr>
-            <a:endParaRPr lang="en-US" sz="3000">
-              <a:solidFill>
-                <a:srgbClr val="000000"/>
-              </a:solidFill>
-              <a:latin typeface="Fredoka One"/>
-            </a:endParaRPr>
-          </a:p>
-          <a:p>
-            <a:pPr>
-              <a:lnSpc>
-                <a:spcPts val="4200"/>
-              </a:lnSpc>
-            </a:pPr>
-            <a:r>
-              <a:rPr lang="en-US" sz="3000">
-                <a:solidFill>
-                  <a:srgbClr val="000000"/>
-                </a:solidFill>
-                <a:latin typeface="Fredoka One"/>
-              </a:rPr>
-              <a:t>"this is not bad" -&gt; </a:t>
-            </a:r>
-            <a:r>
-              <a:rPr lang="en-US" sz="3000">
-                <a:solidFill>
-                  <a:srgbClr val="FF5757"/>
-                </a:solidFill>
-                <a:latin typeface="Fredoka One"/>
-              </a:rPr>
-              <a:t>"bad"</a:t>
-            </a:r>
-          </a:p>
-          <a:p>
-            <a:pPr>
-              <a:lnSpc>
-                <a:spcPts val="4200"/>
-              </a:lnSpc>
-            </a:pPr>
-            <a:endParaRPr lang="en-US" sz="3000">
-              <a:solidFill>
-                <a:srgbClr val="FF5757"/>
-              </a:solidFill>
-              <a:latin typeface="Fredoka One"/>
-            </a:endParaRPr>
-          </a:p>
-          <a:p>
-            <a:pPr>
-              <a:lnSpc>
-                <a:spcPts val="4200"/>
-              </a:lnSpc>
-            </a:pPr>
-            <a:r>
-              <a:rPr lang="en-US" sz="3000">
-                <a:solidFill>
-                  <a:srgbClr val="008037"/>
-                </a:solidFill>
-                <a:latin typeface="Fredoka One"/>
-              </a:rPr>
-              <a:t>solution:</a:t>
-            </a:r>
-            <a:r>
-              <a:rPr lang="en-US" sz="3000">
-                <a:solidFill>
-                  <a:srgbClr val="FF5757"/>
-                </a:solidFill>
-                <a:latin typeface="Fredoka One"/>
-              </a:rPr>
-              <a:t> </a:t>
-            </a:r>
-            <a:r>
-              <a:rPr lang="en-US" sz="3000">
-                <a:solidFill>
-                  <a:srgbClr val="000000"/>
-                </a:solidFill>
-                <a:latin typeface="Fredoka One"/>
-              </a:rPr>
-              <a:t>N-Grams performing bag of words but with pairs of sequential words for example:</a:t>
-            </a:r>
-          </a:p>
-          <a:p>
-            <a:pPr>
-              <a:lnSpc>
-                <a:spcPts val="4200"/>
-              </a:lnSpc>
-            </a:pPr>
-            <a:endParaRPr lang="en-US" sz="3000">
-              <a:solidFill>
-                <a:srgbClr val="000000"/>
-              </a:solidFill>
-              <a:latin typeface="Fredoka One"/>
-            </a:endParaRPr>
-          </a:p>
-          <a:p>
-            <a:pPr>
-              <a:lnSpc>
-                <a:spcPts val="4200"/>
-              </a:lnSpc>
-            </a:pPr>
-            <a:r>
-              <a:rPr lang="en-US" sz="3000">
-                <a:solidFill>
-                  <a:srgbClr val="000000"/>
-                </a:solidFill>
-                <a:latin typeface="Fredoka One"/>
-              </a:rPr>
-              <a:t>"this is" ; "is not" ; "not bad" would be your features</a:t>
-            </a:r>
-          </a:p>
-        </p:txBody>
-      </p:sp>
-      <p:sp>
-        <p:nvSpPr>
-          <p:cNvPr id="6" name="TextBox 6"/>
-          <p:cNvSpPr txBox="1"/>
-          <p:nvPr/>
-        </p:nvSpPr>
-        <p:spPr>
-          <a:xfrm>
-            <a:off x="15931024" y="9127245"/>
-            <a:ext cx="2356976" cy="487637"/>
-          </a:xfrm>
-          <a:prstGeom prst="rect">
-            <a:avLst/>
-          </a:prstGeom>
-        </p:spPr>
-        <p:txBody>
-          <a:bodyPr lIns="0" tIns="0" rIns="0" bIns="0" rtlCol="0" anchor="t">
-            <a:spAutoFit/>
-          </a:bodyPr>
-          <a:lstStyle/>
-          <a:p>
-            <a:pPr>
-              <a:lnSpc>
-                <a:spcPts val="4218"/>
-              </a:lnSpc>
-            </a:pPr>
-            <a:r>
-              <a:rPr lang="en-US" sz="3013">
-                <a:solidFill>
-                  <a:srgbClr val="000000"/>
-                </a:solidFill>
-                <a:latin typeface="Fredoka One"/>
-              </a:rPr>
-              <a:t>To collab...</a:t>
             </a:r>
           </a:p>
         </p:txBody>
@@ -3650,21 +3496,46 @@
           </a:p>
         </p:txBody>
       </p:sp>
-      <p:sp>
-        <p:nvSpPr>
-          <p:cNvPr id="3" name="TextBox 3"/>
-          <p:cNvSpPr txBox="1"/>
+      <p:pic>
+        <p:nvPicPr>
+          <p:cNvPr id="3" name="Picture 3"/>
+          <p:cNvPicPr>
+            <a:picLocks noChangeAspect="1"/>
+          </p:cNvPicPr>
           <p:nvPr/>
-        </p:nvSpPr>
-        <p:spPr>
-          <a:xfrm>
-            <a:off x="949008" y="1028700"/>
-            <a:ext cx="17076646" cy="731520"/>
+        </p:nvPicPr>
+        <p:blipFill>
+          <a:blip r:embed="rId2"/>
+          <a:srcRect l="15431" t="4558" r="7680" b="7340"/>
+          <a:stretch>
+            <a:fillRect/>
+          </a:stretch>
+        </p:blipFill>
+        <p:spPr>
+          <a:xfrm>
+            <a:off x="9487331" y="1760220"/>
+            <a:ext cx="8216516" cy="7068907"/>
           </a:xfrm>
           <a:prstGeom prst="rect">
             <a:avLst/>
           </a:prstGeom>
         </p:spPr>
+      </p:pic>
+      <p:sp>
+        <p:nvSpPr>
+          <p:cNvPr id="4" name="TextBox 4"/>
+          <p:cNvSpPr txBox="1"/>
+          <p:nvPr/>
+        </p:nvSpPr>
+        <p:spPr>
+          <a:xfrm>
+            <a:off x="949008" y="1028700"/>
+            <a:ext cx="17076646" cy="731520"/>
+          </a:xfrm>
+          <a:prstGeom prst="rect">
+            <a:avLst/>
+          </a:prstGeom>
+        </p:spPr>
         <p:txBody>
           <a:bodyPr lIns="0" tIns="0" rIns="0" bIns="0" rtlCol="0" anchor="t">
             <a:spAutoFit/>
@@ -3683,21 +3554,21 @@
                 </a:solidFill>
                 <a:latin typeface="Fredoka One"/>
               </a:rPr>
-              <a:t>TF-IDF</a:t>
-            </a:r>
-          </a:p>
-        </p:txBody>
-      </p:sp>
-      <p:sp>
-        <p:nvSpPr>
-          <p:cNvPr id="4" name="TextBox 4"/>
+              <a:t>BAG OF WORDS</a:t>
+            </a:r>
+          </a:p>
+        </p:txBody>
+      </p:sp>
+      <p:sp>
+        <p:nvSpPr>
+          <p:cNvPr id="5" name="TextBox 5"/>
           <p:cNvSpPr txBox="1"/>
           <p:nvPr/>
         </p:nvSpPr>
         <p:spPr>
           <a:xfrm>
             <a:off x="949008" y="1961436"/>
-            <a:ext cx="16310292" cy="1003950"/>
+            <a:ext cx="8538323" cy="7141947"/>
           </a:xfrm>
           <a:prstGeom prst="rect">
             <a:avLst/>
@@ -3717,67 +3588,20 @@
             <a:r>
               <a:rPr lang="en-US" sz="3000">
                 <a:solidFill>
-                  <a:srgbClr val="008037"/>
-                </a:solidFill>
-                <a:latin typeface="Fredoka One"/>
-              </a:rPr>
-              <a:t>Term Frequency Inverse Document Frequency</a:t>
-            </a:r>
-            <a:r>
-              <a:rPr lang="en-US" sz="3000">
-                <a:solidFill>
                   <a:srgbClr val="000000"/>
                 </a:solidFill>
                 <a:latin typeface="Fredoka One"/>
               </a:rPr>
-              <a:t> (TF-IDF) is one of the most important feature engineering techniques in natural language processing</a:t>
-            </a:r>
-          </a:p>
-        </p:txBody>
-      </p:sp>
-      <p:sp>
-        <p:nvSpPr>
-          <p:cNvPr id="5" name="TextBox 5"/>
-          <p:cNvSpPr txBox="1"/>
-          <p:nvPr/>
-        </p:nvSpPr>
-        <p:spPr>
-          <a:xfrm>
-            <a:off x="996633" y="4130025"/>
-            <a:ext cx="16310292" cy="4264244"/>
-          </a:xfrm>
-          <a:prstGeom prst="rect">
-            <a:avLst/>
-          </a:prstGeom>
-        </p:spPr>
-        <p:txBody>
-          <a:bodyPr lIns="0" tIns="0" rIns="0" bIns="0" rtlCol="0" anchor="t">
-            <a:spAutoFit/>
-          </a:bodyPr>
-          <a:lstStyle/>
+              <a:t>Problems of bag of words:</a:t>
+            </a:r>
+          </a:p>
           <a:p>
             <a:pPr>
               <a:lnSpc>
                 <a:spcPts val="4200"/>
               </a:lnSpc>
             </a:pPr>
-            <a:r>
-              <a:rPr lang="en-US" sz="3000" dirty="0">
-                <a:solidFill>
-                  <a:srgbClr val="000000"/>
-                </a:solidFill>
-                <a:latin typeface="Fredoka One"/>
-              </a:rPr>
-              <a:t>Weighs how important a word is in a specific document and how rare it is in all the collections of documents</a:t>
-            </a:r>
-          </a:p>
-          <a:p>
-            <a:pPr>
-              <a:lnSpc>
-                <a:spcPts val="4200"/>
-              </a:lnSpc>
-            </a:pPr>
-            <a:endParaRPr lang="en-US" sz="3000" dirty="0">
+            <a:endParaRPr lang="en-US" sz="3000">
               <a:solidFill>
                 <a:srgbClr val="000000"/>
               </a:solidFill>
@@ -3791,22 +3615,67 @@
               </a:lnSpc>
             </a:pPr>
             <a:r>
-              <a:rPr lang="en-US" sz="3000" dirty="0">
+              <a:rPr lang="en-US" sz="3000">
                 <a:solidFill>
                   <a:srgbClr val="000000"/>
                 </a:solidFill>
                 <a:latin typeface="Fredoka One"/>
               </a:rPr>
-              <a:t>High TF-IDF score -&gt; word appears many times in a document but is rare in collection of documents -&gt; </a:t>
-            </a:r>
-            <a:r>
-              <a:rPr lang="en-US" sz="3000" dirty="0">
+              <a:t>- you lose the context of the words within the sentence</a:t>
+            </a:r>
+          </a:p>
+          <a:p>
+            <a:pPr>
+              <a:lnSpc>
+                <a:spcPts val="4200"/>
+              </a:lnSpc>
+            </a:pPr>
+            <a:r>
+              <a:rPr lang="en-US" sz="3000">
+                <a:solidFill>
+                  <a:srgbClr val="000000"/>
+                </a:solidFill>
+                <a:latin typeface="Fredoka One"/>
+              </a:rPr>
+              <a:t>- assumes all words are independent</a:t>
+            </a:r>
+          </a:p>
+          <a:p>
+            <a:pPr>
+              <a:lnSpc>
+                <a:spcPts val="4200"/>
+              </a:lnSpc>
+            </a:pPr>
+            <a:endParaRPr lang="en-US" sz="3000">
+              <a:solidFill>
+                <a:srgbClr val="000000"/>
+              </a:solidFill>
+              <a:latin typeface="Fredoka One"/>
+            </a:endParaRPr>
+          </a:p>
+          <a:p>
+            <a:pPr>
+              <a:lnSpc>
+                <a:spcPts val="4200"/>
+              </a:lnSpc>
+            </a:pPr>
+            <a:r>
+              <a:rPr lang="en-US" sz="3000">
+                <a:solidFill>
+                  <a:srgbClr val="000000"/>
+                </a:solidFill>
+                <a:latin typeface="Fredoka One"/>
+              </a:rPr>
+              <a:t>"this is not bad" -&gt; </a:t>
+            </a:r>
+            <a:r>
+              <a:rPr lang="en-US" sz="3000">
                 <a:solidFill>
                   <a:srgbClr val="FF5757"/>
                 </a:solidFill>
                 <a:latin typeface="Fredoka One"/>
               </a:rPr>
-              <a:t>”Capitol", "Trump"</a:t>
+              <a:t>"bad"</a:t>
             </a:r>
           </a:p>
           <a:p>
@@ -3815,7 +3684,7 @@
                 <a:spcPts val="4200"/>
               </a:lnSpc>
             </a:pPr>
-            <a:endParaRPr lang="en-US" sz="3000" dirty="0">
+            <a:endParaRPr lang="en-US" sz="3000">
               <a:solidFill>
                 <a:srgbClr val="FF5757"/>
               </a:solidFill>
@@ -3829,22 +3698,98 @@
               </a:lnSpc>
             </a:pPr>
             <a:r>
-              <a:rPr lang="en-US" sz="3000" dirty="0">
+              <a:rPr lang="en-US" sz="3000">
+                <a:solidFill>
+                  <a:srgbClr val="008037"/>
+                </a:solidFill>
+                <a:latin typeface="Fredoka One"/>
+              </a:rPr>
+              <a:t>solution:</a:t>
+            </a:r>
+            <a:r>
+              <a:rPr lang="en-US" sz="3000">
+                <a:solidFill>
+                  <a:srgbClr val="FF5757"/>
+                </a:solidFill>
+                <a:latin typeface="Fredoka One"/>
+              </a:rPr>
+              <a:t> </a:t>
+            </a:r>
+            <a:r>
+              <a:rPr lang="en-US" sz="3000">
                 <a:solidFill>
                   <a:srgbClr val="000000"/>
                 </a:solidFill>
                 <a:latin typeface="Fredoka One"/>
               </a:rPr>
-              <a:t>Low TF-IDF score -&gt; word that appears moderately in a document but is extremely common in collection of documents -&gt; </a:t>
-            </a:r>
-            <a:r>
-              <a:rPr lang="en-US" sz="3000" dirty="0">
-                <a:solidFill>
-                  <a:srgbClr val="FF5757"/>
-                </a:solidFill>
-                <a:latin typeface="Fredoka One"/>
-              </a:rPr>
-              <a:t>"Today", "Furthermore"</a:t>
+              <a:t>N-Grams performing bag of words but with pairs of sequential words for example:</a:t>
+            </a:r>
+          </a:p>
+          <a:p>
+            <a:pPr>
+              <a:lnSpc>
+                <a:spcPts val="4200"/>
+              </a:lnSpc>
+            </a:pPr>
+            <a:endParaRPr lang="en-US" sz="3000">
+              <a:solidFill>
+                <a:srgbClr val="000000"/>
+              </a:solidFill>
+              <a:latin typeface="Fredoka One"/>
+            </a:endParaRPr>
+          </a:p>
+          <a:p>
+            <a:pPr>
+              <a:lnSpc>
+                <a:spcPts val="4200"/>
+              </a:lnSpc>
+            </a:pPr>
+            <a:r>
+              <a:rPr lang="en-US" sz="3000">
+                <a:solidFill>
+                  <a:srgbClr val="000000"/>
+                </a:solidFill>
+                <a:latin typeface="Fredoka One"/>
+              </a:rPr>
+              <a:t>"this is" ; "is not" ; "not bad" would be your features</a:t>
+            </a:r>
+          </a:p>
+        </p:txBody>
+      </p:sp>
+      <p:sp>
+        <p:nvSpPr>
+          <p:cNvPr id="6" name="TextBox 6"/>
+          <p:cNvSpPr txBox="1"/>
+          <p:nvPr/>
+        </p:nvSpPr>
+        <p:spPr>
+          <a:xfrm>
+            <a:off x="15931024" y="9127245"/>
+            <a:ext cx="2356976" cy="487637"/>
+          </a:xfrm>
+          <a:prstGeom prst="rect">
+            <a:avLst/>
+          </a:prstGeom>
+        </p:spPr>
+        <p:txBody>
+          <a:bodyPr lIns="0" tIns="0" rIns="0" bIns="0" rtlCol="0" anchor="t">
+            <a:spAutoFit/>
+          </a:bodyPr>
+          <a:lstStyle/>
+          <a:p>
+            <a:pPr>
+              <a:lnSpc>
+                <a:spcPts val="4218"/>
+              </a:lnSpc>
+            </a:pPr>
+            <a:r>
+              <a:rPr lang="en-US" sz="3013">
+                <a:solidFill>
+                  <a:srgbClr val="000000"/>
+                </a:solidFill>
+                <a:latin typeface="Fredoka One"/>
+              </a:rPr>
+              <a:t>To collab...</a:t>
             </a:r>
           </a:p>
         </p:txBody>
@@ -3900,6 +3845,256 @@
           </a:p>
         </p:txBody>
       </p:sp>
+      <p:sp>
+        <p:nvSpPr>
+          <p:cNvPr id="3" name="TextBox 3"/>
+          <p:cNvSpPr txBox="1"/>
+          <p:nvPr/>
+        </p:nvSpPr>
+        <p:spPr>
+          <a:xfrm>
+            <a:off x="949008" y="1028700"/>
+            <a:ext cx="17076646" cy="731520"/>
+          </a:xfrm>
+          <a:prstGeom prst="rect">
+            <a:avLst/>
+          </a:prstGeom>
+        </p:spPr>
+        <p:txBody>
+          <a:bodyPr lIns="0" tIns="0" rIns="0" bIns="0" rtlCol="0" anchor="t">
+            <a:spAutoFit/>
+          </a:bodyPr>
+          <a:lstStyle/>
+          <a:p>
+            <a:pPr algn="l">
+              <a:lnSpc>
+                <a:spcPts val="5759"/>
+              </a:lnSpc>
+            </a:pPr>
+            <a:r>
+              <a:rPr lang="en-US" sz="4800" spc="96">
+                <a:solidFill>
+                  <a:srgbClr val="2199D4"/>
+                </a:solidFill>
+                <a:latin typeface="Fredoka One"/>
+              </a:rPr>
+              <a:t>TF-IDF</a:t>
+            </a:r>
+          </a:p>
+        </p:txBody>
+      </p:sp>
+      <p:sp>
+        <p:nvSpPr>
+          <p:cNvPr id="4" name="TextBox 4"/>
+          <p:cNvSpPr txBox="1"/>
+          <p:nvPr/>
+        </p:nvSpPr>
+        <p:spPr>
+          <a:xfrm>
+            <a:off x="949008" y="1961436"/>
+            <a:ext cx="16310292" cy="1003950"/>
+          </a:xfrm>
+          <a:prstGeom prst="rect">
+            <a:avLst/>
+          </a:prstGeom>
+        </p:spPr>
+        <p:txBody>
+          <a:bodyPr lIns="0" tIns="0" rIns="0" bIns="0" rtlCol="0" anchor="t">
+            <a:spAutoFit/>
+          </a:bodyPr>
+          <a:lstStyle/>
+          <a:p>
+            <a:pPr>
+              <a:lnSpc>
+                <a:spcPts val="4200"/>
+              </a:lnSpc>
+            </a:pPr>
+            <a:r>
+              <a:rPr lang="en-US" sz="3000">
+                <a:solidFill>
+                  <a:srgbClr val="008037"/>
+                </a:solidFill>
+                <a:latin typeface="Fredoka One"/>
+              </a:rPr>
+              <a:t>Term Frequency Inverse Document Frequency</a:t>
+            </a:r>
+            <a:r>
+              <a:rPr lang="en-US" sz="3000">
+                <a:solidFill>
+                  <a:srgbClr val="000000"/>
+                </a:solidFill>
+                <a:latin typeface="Fredoka One"/>
+              </a:rPr>
+              <a:t> (TF-IDF) is one of the most important feature engineering techniques in natural language processing</a:t>
+            </a:r>
+          </a:p>
+        </p:txBody>
+      </p:sp>
+      <p:sp>
+        <p:nvSpPr>
+          <p:cNvPr id="5" name="TextBox 5"/>
+          <p:cNvSpPr txBox="1"/>
+          <p:nvPr/>
+        </p:nvSpPr>
+        <p:spPr>
+          <a:xfrm>
+            <a:off x="996633" y="4130025"/>
+            <a:ext cx="16310292" cy="4264244"/>
+          </a:xfrm>
+          <a:prstGeom prst="rect">
+            <a:avLst/>
+          </a:prstGeom>
+        </p:spPr>
+        <p:txBody>
+          <a:bodyPr lIns="0" tIns="0" rIns="0" bIns="0" rtlCol="0" anchor="t">
+            <a:spAutoFit/>
+          </a:bodyPr>
+          <a:lstStyle/>
+          <a:p>
+            <a:pPr>
+              <a:lnSpc>
+                <a:spcPts val="4200"/>
+              </a:lnSpc>
+            </a:pPr>
+            <a:r>
+              <a:rPr lang="en-US" sz="3000" dirty="0">
+                <a:solidFill>
+                  <a:srgbClr val="000000"/>
+                </a:solidFill>
+                <a:latin typeface="Fredoka One"/>
+              </a:rPr>
+              <a:t>Weighs how important a word is in a specific document and how rare it is in all the collections of documents</a:t>
+            </a:r>
+          </a:p>
+          <a:p>
+            <a:pPr>
+              <a:lnSpc>
+                <a:spcPts val="4200"/>
+              </a:lnSpc>
+            </a:pPr>
+            <a:endParaRPr lang="en-US" sz="3000" dirty="0">
+              <a:solidFill>
+                <a:srgbClr val="000000"/>
+              </a:solidFill>
+              <a:latin typeface="Fredoka One"/>
+            </a:endParaRPr>
+          </a:p>
+          <a:p>
+            <a:pPr>
+              <a:lnSpc>
+                <a:spcPts val="4200"/>
+              </a:lnSpc>
+            </a:pPr>
+            <a:r>
+              <a:rPr lang="en-US" sz="3000" dirty="0">
+                <a:solidFill>
+                  <a:srgbClr val="000000"/>
+                </a:solidFill>
+                <a:latin typeface="Fredoka One"/>
+              </a:rPr>
+              <a:t>High TF-IDF score -&gt; word appears many times in a document but is rare in collection of documents -&gt; </a:t>
+            </a:r>
+            <a:r>
+              <a:rPr lang="en-US" sz="3000" dirty="0">
+                <a:solidFill>
+                  <a:srgbClr val="FF5757"/>
+                </a:solidFill>
+                <a:latin typeface="Fredoka One"/>
+              </a:rPr>
+              <a:t>”Capitol", "Trump"</a:t>
+            </a:r>
+          </a:p>
+          <a:p>
+            <a:pPr>
+              <a:lnSpc>
+                <a:spcPts val="4200"/>
+              </a:lnSpc>
+            </a:pPr>
+            <a:endParaRPr lang="en-US" sz="3000" dirty="0">
+              <a:solidFill>
+                <a:srgbClr val="FF5757"/>
+              </a:solidFill>
+              <a:latin typeface="Fredoka One"/>
+            </a:endParaRPr>
+          </a:p>
+          <a:p>
+            <a:pPr>
+              <a:lnSpc>
+                <a:spcPts val="4200"/>
+              </a:lnSpc>
+            </a:pPr>
+            <a:r>
+              <a:rPr lang="en-US" sz="3000" dirty="0">
+                <a:solidFill>
+                  <a:srgbClr val="000000"/>
+                </a:solidFill>
+                <a:latin typeface="Fredoka One"/>
+              </a:rPr>
+              <a:t>Low TF-IDF score -&gt; word that appears moderately in a document but is extremely common in collection of documents -&gt; </a:t>
+            </a:r>
+            <a:r>
+              <a:rPr lang="en-US" sz="3000" dirty="0">
+                <a:solidFill>
+                  <a:srgbClr val="FF5757"/>
+                </a:solidFill>
+                <a:latin typeface="Fredoka One"/>
+              </a:rPr>
+              <a:t>"Today", "Furthermore"</a:t>
+            </a:r>
+          </a:p>
+        </p:txBody>
+      </p:sp>
+    </p:spTree>
+  </p:cSld>
+  <p:clrMapOvr>
+    <a:masterClrMapping/>
+  </p:clrMapOvr>
+</p:sld>
+</file>
+
+<file path=ppt/slides/slide14.xml><?xml version="1.0" encoding="utf-8"?>
+<p:sld xmlns:a="http://schemas.openxmlformats.org/drawingml/2006/main" xmlns:r="http://schemas.openxmlformats.org/officeDocument/2006/relationships" xmlns:p="http://schemas.openxmlformats.org/presentationml/2006/main">
+  <p:cSld>
+    <p:spTree>
+      <p:nvGrpSpPr>
+        <p:cNvPr id="1" name=""/>
+        <p:cNvGrpSpPr/>
+        <p:nvPr/>
+      </p:nvGrpSpPr>
+      <p:grpSpPr>
+        <a:xfrm>
+          <a:off x="0" y="0"/>
+          <a:ext cx="0" cy="0"/>
+          <a:chOff x="0" y="0"/>
+          <a:chExt cx="0" cy="0"/>
+        </a:xfrm>
+      </p:grpSpPr>
+      <p:sp>
+        <p:nvSpPr>
+          <p:cNvPr id="2" name="AutoShape 2"/>
+          <p:cNvSpPr/>
+          <p:nvPr/>
+        </p:nvSpPr>
+        <p:spPr>
+          <a:xfrm>
+            <a:off x="-247933" y="9614883"/>
+            <a:ext cx="18796165" cy="907256"/>
+          </a:xfrm>
+          <a:prstGeom prst="rect">
+            <a:avLst/>
+          </a:prstGeom>
+          <a:solidFill>
+            <a:srgbClr val="EAF0F1"/>
+          </a:solidFill>
+        </p:spPr>
+        <p:txBody>
+          <a:bodyPr/>
+          <a:lstStyle/>
+          <a:p>
+            <a:endParaRPr lang="en-PT"/>
+          </a:p>
+        </p:txBody>
+      </p:sp>
       <p:pic>
         <p:nvPicPr>
           <p:cNvPr id="3" name="Picture 3"/>
@@ -3971,7 +4166,7 @@
 </p:sld>
 </file>
 
-<file path=ppt/slides/slide14.xml><?xml version="1.0" encoding="utf-8"?>
+<file path=ppt/slides/slide15.xml><?xml version="1.0" encoding="utf-8"?>
 <p:sld xmlns:a="http://schemas.openxmlformats.org/drawingml/2006/main" xmlns:r="http://schemas.openxmlformats.org/officeDocument/2006/relationships" xmlns:p="http://schemas.openxmlformats.org/presentationml/2006/main">
   <p:cSld>
     <p:bg>
@@ -4132,7 +4327,7 @@
         <p:spPr>
           <a:xfrm>
             <a:off x="949008" y="2494953"/>
-            <a:ext cx="16310292" cy="5028645"/>
+            <a:ext cx="16310292" cy="493981"/>
           </a:xfrm>
           <a:prstGeom prst="rect">
             <a:avLst/>
@@ -4150,105 +4345,53 @@
               </a:lnSpc>
             </a:pPr>
             <a:r>
-              <a:rPr lang="en-US" sz="3000">
+              <a:rPr lang="en-US" sz="3000" dirty="0">
                 <a:solidFill>
                   <a:srgbClr val="000000"/>
                 </a:solidFill>
                 <a:latin typeface="Fredoka One"/>
               </a:rPr>
-              <a:t>So far, all algorithms that we have seen take as input tabular information with numeric or categorical data  (and a brief stint with datetime data when we looked at time series)</a:t>
-            </a:r>
-          </a:p>
-          <a:p>
-            <a:pPr>
-              <a:lnSpc>
-                <a:spcPts val="4200"/>
-              </a:lnSpc>
-            </a:pPr>
-            <a:endParaRPr lang="en-US" sz="3000">
-              <a:solidFill>
-                <a:srgbClr val="000000"/>
-              </a:solidFill>
-              <a:latin typeface="Fredoka One"/>
-            </a:endParaRPr>
-          </a:p>
-          <a:p>
-            <a:pPr>
-              <a:lnSpc>
-                <a:spcPts val="4200"/>
-              </a:lnSpc>
-            </a:pPr>
-            <a:r>
-              <a:rPr lang="en-US" sz="3000">
-                <a:solidFill>
-                  <a:srgbClr val="000000"/>
-                </a:solidFill>
-                <a:latin typeface="Fredoka One"/>
-              </a:rPr>
-              <a:t>There are several areas of application where our data is not natively structured in this way: sound, image and text come to mind</a:t>
-            </a:r>
-          </a:p>
-          <a:p>
-            <a:pPr>
-              <a:lnSpc>
-                <a:spcPts val="4200"/>
-              </a:lnSpc>
-            </a:pPr>
-            <a:endParaRPr lang="en-US" sz="3000">
-              <a:solidFill>
-                <a:srgbClr val="000000"/>
-              </a:solidFill>
-              <a:latin typeface="Fredoka One"/>
-            </a:endParaRPr>
-          </a:p>
-          <a:p>
-            <a:pPr>
-              <a:lnSpc>
-                <a:spcPts val="4200"/>
-              </a:lnSpc>
-            </a:pPr>
-            <a:r>
-              <a:rPr lang="en-US" sz="3000">
-                <a:solidFill>
-                  <a:srgbClr val="000000"/>
-                </a:solidFill>
-                <a:latin typeface="Fredoka One"/>
-              </a:rPr>
-              <a:t>In these situations we often reduce the problem to turning the native data format into a suitable set of features, followed by applying the typical ML algorithms.</a:t>
-            </a:r>
-          </a:p>
-          <a:p>
-            <a:pPr>
-              <a:lnSpc>
-                <a:spcPts val="4200"/>
-              </a:lnSpc>
-            </a:pPr>
-            <a:endParaRPr lang="en-US" sz="3000">
-              <a:solidFill>
-                <a:srgbClr val="000000"/>
-              </a:solidFill>
-              <a:latin typeface="Fredoka One"/>
-            </a:endParaRPr>
-          </a:p>
-          <a:p>
-            <a:pPr>
-              <a:lnSpc>
-                <a:spcPts val="4200"/>
-              </a:lnSpc>
-            </a:pPr>
-            <a:r>
-              <a:rPr lang="en-US" sz="3000">
-                <a:solidFill>
-                  <a:srgbClr val="000000"/>
-                </a:solidFill>
-                <a:latin typeface="Fredoka One"/>
-              </a:rPr>
-              <a:t>In other words: how do we turn text into a suitable set of numbers?</a:t>
-            </a:r>
-          </a:p>
-        </p:txBody>
-      </p:sp>
+              <a:t>NOTE ON REGEX</a:t>
+            </a:r>
+          </a:p>
+        </p:txBody>
+      </p:sp>
+      <p:pic>
+        <p:nvPicPr>
+          <p:cNvPr id="5" name="Picture 4">
+            <a:extLst>
+              <a:ext uri="{FF2B5EF4-FFF2-40B4-BE49-F238E27FC236}">
+                <a16:creationId xmlns:a16="http://schemas.microsoft.com/office/drawing/2014/main" id="{0485A623-0414-E45C-5AAE-5AC4572C20B1}"/>
+              </a:ext>
+            </a:extLst>
+          </p:cNvPr>
+          <p:cNvPicPr>
+            <a:picLocks noChangeAspect="1"/>
+          </p:cNvPicPr>
+          <p:nvPr/>
+        </p:nvPicPr>
+        <p:blipFill>
+          <a:blip r:embed="rId2"/>
+          <a:stretch>
+            <a:fillRect/>
+          </a:stretch>
+        </p:blipFill>
+        <p:spPr>
+          <a:xfrm>
+            <a:off x="2544417" y="3619500"/>
+            <a:ext cx="13199166" cy="5160255"/>
+          </a:xfrm>
+          <a:prstGeom prst="rect">
+            <a:avLst/>
+          </a:prstGeom>
+        </p:spPr>
+      </p:pic>
     </p:spTree>
+    <p:extLst>
+      <p:ext uri="{BB962C8B-B14F-4D97-AF65-F5344CB8AC3E}">
+        <p14:creationId xmlns:p14="http://schemas.microsoft.com/office/powerpoint/2010/main" val="1427367391"/>
+      </p:ext>
+    </p:extLst>
   </p:cSld>
   <p:clrMapOvr>
     <a:masterClrMapping/>
@@ -4332,7 +4475,7 @@
                 </a:solidFill>
                 <a:latin typeface="Fredoka One"/>
               </a:rPr>
-              <a:t>HANDLING TEXT IN ML - NAIVE APPROACHES</a:t>
+              <a:t>HANDLING TEXT IN ML</a:t>
             </a:r>
           </a:p>
         </p:txBody>
@@ -4346,7 +4489,7 @@
         <p:spPr>
           <a:xfrm>
             <a:off x="949008" y="2494953"/>
-            <a:ext cx="16310292" cy="5533415"/>
+            <a:ext cx="16310292" cy="5028645"/>
           </a:xfrm>
           <a:prstGeom prst="rect">
             <a:avLst/>
@@ -4370,79 +4513,7 @@
                 </a:solidFill>
                 <a:latin typeface="Fredoka One"/>
               </a:rPr>
-              <a:t>Some of this feature generation can and should come from metadata:</a:t>
-            </a:r>
-          </a:p>
-          <a:p>
-            <a:pPr marL="647700" lvl="1" indent="-323850">
-              <a:lnSpc>
-                <a:spcPts val="4200"/>
-              </a:lnSpc>
-              <a:buFont typeface="Arial"/>
-              <a:buChar char="•"/>
-            </a:pPr>
-            <a:r>
-              <a:rPr lang="en-US" sz="3000">
-                <a:solidFill>
-                  <a:srgbClr val="000000"/>
-                </a:solidFill>
-                <a:latin typeface="Fredoka One"/>
-              </a:rPr>
-              <a:t>source of text </a:t>
-            </a:r>
-          </a:p>
-          <a:p>
-            <a:pPr marL="647700" lvl="1" indent="-323850">
-              <a:lnSpc>
-                <a:spcPts val="4200"/>
-              </a:lnSpc>
-              <a:buFont typeface="Arial"/>
-              <a:buChar char="•"/>
-            </a:pPr>
-            <a:r>
-              <a:rPr lang="en-US" sz="3000">
-                <a:solidFill>
-                  <a:srgbClr val="000000"/>
-                </a:solidFill>
-                <a:latin typeface="Fredoka One"/>
-              </a:rPr>
-              <a:t>date of production </a:t>
-            </a:r>
-          </a:p>
-          <a:p>
-            <a:pPr marL="647700" lvl="1" indent="-323850">
-              <a:lnSpc>
-                <a:spcPts val="4200"/>
-              </a:lnSpc>
-              <a:buFont typeface="Arial"/>
-              <a:buChar char="•"/>
-            </a:pPr>
-            <a:r>
-              <a:rPr lang="en-US" sz="3000">
-                <a:solidFill>
-                  <a:srgbClr val="000000"/>
-                </a:solidFill>
-                <a:latin typeface="Fredoka One"/>
-              </a:rPr>
-              <a:t>author</a:t>
-            </a:r>
-          </a:p>
-          <a:p>
-            <a:pPr marL="647700" lvl="1" indent="-323850">
-              <a:lnSpc>
-                <a:spcPts val="4200"/>
-              </a:lnSpc>
-              <a:buFont typeface="Arial"/>
-              <a:buChar char="•"/>
-            </a:pPr>
-            <a:r>
-              <a:rPr lang="en-US" sz="3000">
-                <a:solidFill>
-                  <a:srgbClr val="000000"/>
-                </a:solidFill>
-                <a:latin typeface="Fredoka One"/>
-              </a:rPr>
-              <a:t>number / type of interactions</a:t>
+              <a:t>So far, all algorithms that we have seen take as input tabular information with numeric or categorical data  (and a brief stint with datetime data when we looked at time series)</a:t>
             </a:r>
           </a:p>
           <a:p>
@@ -4471,7 +4542,7 @@
                 </a:solidFill>
                 <a:latin typeface="Fredoka One"/>
               </a:rPr>
-              <a:t>But ultimately it is clear that most of the information must come from the body of the text. </a:t>
+              <a:t>There are several areas of application where our data is not natively structured in this way: sound, image and text come to mind</a:t>
             </a:r>
           </a:p>
           <a:p>
@@ -4500,7 +4571,36 @@
                 </a:solidFill>
                 <a:latin typeface="Fredoka One"/>
               </a:rPr>
-              <a:t>We have seen the bag-of-words model before, but that approach had some shortcomings that we will try to address in this class.</a:t>
+              <a:t>In these situations we often reduce the problem to turning the native data format into a suitable set of features, followed by applying the typical ML algorithms.</a:t>
+            </a:r>
+          </a:p>
+          <a:p>
+            <a:pPr>
+              <a:lnSpc>
+                <a:spcPts val="4200"/>
+              </a:lnSpc>
+            </a:pPr>
+            <a:endParaRPr lang="en-US" sz="3000">
+              <a:solidFill>
+                <a:srgbClr val="000000"/>
+              </a:solidFill>
+              <a:latin typeface="Fredoka One"/>
+            </a:endParaRPr>
+          </a:p>
+          <a:p>
+            <a:pPr>
+              <a:lnSpc>
+                <a:spcPts val="4200"/>
+              </a:lnSpc>
+            </a:pPr>
+            <a:r>
+              <a:rPr lang="en-US" sz="3000">
+                <a:solidFill>
+                  <a:srgbClr val="000000"/>
+                </a:solidFill>
+                <a:latin typeface="Fredoka One"/>
+              </a:rPr>
+              <a:t>In other words: how do we turn text into a suitable set of numbers?</a:t>
             </a:r>
           </a:p>
         </p:txBody>
@@ -4556,31 +4656,44 @@
           </a:p>
         </p:txBody>
       </p:sp>
-      <p:pic>
-        <p:nvPicPr>
-          <p:cNvPr id="3" name="Picture 3"/>
-          <p:cNvPicPr>
-            <a:picLocks noChangeAspect="1"/>
-          </p:cNvPicPr>
+      <p:sp>
+        <p:nvSpPr>
+          <p:cNvPr id="3" name="TextBox 3"/>
+          <p:cNvSpPr txBox="1"/>
           <p:nvPr/>
-        </p:nvPicPr>
-        <p:blipFill>
-          <a:blip r:embed="rId2"/>
-          <a:srcRect/>
-          <a:stretch>
-            <a:fillRect/>
-          </a:stretch>
-        </p:blipFill>
-        <p:spPr>
-          <a:xfrm>
-            <a:off x="7758829" y="1760220"/>
-            <a:ext cx="10266825" cy="6234948"/>
+        </p:nvSpPr>
+        <p:spPr>
+          <a:xfrm>
+            <a:off x="949008" y="1028700"/>
+            <a:ext cx="17076646" cy="723900"/>
           </a:xfrm>
           <a:prstGeom prst="rect">
             <a:avLst/>
           </a:prstGeom>
         </p:spPr>
-      </p:pic>
+        <p:txBody>
+          <a:bodyPr lIns="0" tIns="0" rIns="0" bIns="0" rtlCol="0" anchor="t">
+            <a:spAutoFit/>
+          </a:bodyPr>
+          <a:lstStyle/>
+          <a:p>
+            <a:pPr algn="l">
+              <a:lnSpc>
+                <a:spcPts val="5759"/>
+              </a:lnSpc>
+            </a:pPr>
+            <a:r>
+              <a:rPr lang="en-US" sz="4800" spc="96">
+                <a:solidFill>
+                  <a:srgbClr val="2199D4"/>
+                </a:solidFill>
+                <a:latin typeface="Fredoka One"/>
+              </a:rPr>
+              <a:t>HANDLING TEXT IN ML - NAIVE APPROACHES</a:t>
+            </a:r>
+          </a:p>
+        </p:txBody>
+      </p:sp>
       <p:sp>
         <p:nvSpPr>
           <p:cNvPr id="4" name="TextBox 4"/>
@@ -4589,8 +4702,8 @@
         </p:nvSpPr>
         <p:spPr>
           <a:xfrm>
-            <a:off x="949008" y="1028700"/>
-            <a:ext cx="17076646" cy="731520"/>
+            <a:off x="949008" y="2494953"/>
+            <a:ext cx="16310292" cy="5533415"/>
           </a:xfrm>
           <a:prstGeom prst="rect">
             <a:avLst/>
@@ -4602,44 +4715,6 @@
           </a:bodyPr>
           <a:lstStyle/>
           <a:p>
-            <a:pPr algn="l">
-              <a:lnSpc>
-                <a:spcPts val="5759"/>
-              </a:lnSpc>
-            </a:pPr>
-            <a:r>
-              <a:rPr lang="en-US" sz="4800" spc="96">
-                <a:solidFill>
-                  <a:srgbClr val="2199D4"/>
-                </a:solidFill>
-                <a:latin typeface="Fredoka One"/>
-              </a:rPr>
-              <a:t>TEXT DATA CLEANING TECHNIQUES</a:t>
-            </a:r>
-          </a:p>
-        </p:txBody>
-      </p:sp>
-      <p:sp>
-        <p:nvSpPr>
-          <p:cNvPr id="5" name="TextBox 5"/>
-          <p:cNvSpPr txBox="1"/>
-          <p:nvPr/>
-        </p:nvSpPr>
-        <p:spPr>
-          <a:xfrm>
-            <a:off x="1399271" y="2652007"/>
-            <a:ext cx="6359558" cy="4019106"/>
-          </a:xfrm>
-          <a:prstGeom prst="rect">
-            <a:avLst/>
-          </a:prstGeom>
-        </p:spPr>
-        <p:txBody>
-          <a:bodyPr lIns="0" tIns="0" rIns="0" bIns="0" rtlCol="0" anchor="t">
-            <a:spAutoFit/>
-          </a:bodyPr>
-          <a:lstStyle/>
-          <a:p>
             <a:pPr>
               <a:lnSpc>
                 <a:spcPts val="4200"/>
@@ -4652,7 +4727,79 @@
                 </a:solidFill>
                 <a:latin typeface="Fredoka One"/>
               </a:rPr>
-              <a:t>Tokenization</a:t>
+              <a:t>Some of this feature generation can and should come from metadata:</a:t>
+            </a:r>
+          </a:p>
+          <a:p>
+            <a:pPr marL="647700" lvl="1" indent="-323850">
+              <a:lnSpc>
+                <a:spcPts val="4200"/>
+              </a:lnSpc>
+              <a:buFont typeface="Arial"/>
+              <a:buChar char="•"/>
+            </a:pPr>
+            <a:r>
+              <a:rPr lang="en-US" sz="3000">
+                <a:solidFill>
+                  <a:srgbClr val="000000"/>
+                </a:solidFill>
+                <a:latin typeface="Fredoka One"/>
+              </a:rPr>
+              <a:t>source of text </a:t>
+            </a:r>
+          </a:p>
+          <a:p>
+            <a:pPr marL="647700" lvl="1" indent="-323850">
+              <a:lnSpc>
+                <a:spcPts val="4200"/>
+              </a:lnSpc>
+              <a:buFont typeface="Arial"/>
+              <a:buChar char="•"/>
+            </a:pPr>
+            <a:r>
+              <a:rPr lang="en-US" sz="3000">
+                <a:solidFill>
+                  <a:srgbClr val="000000"/>
+                </a:solidFill>
+                <a:latin typeface="Fredoka One"/>
+              </a:rPr>
+              <a:t>date of production </a:t>
+            </a:r>
+          </a:p>
+          <a:p>
+            <a:pPr marL="647700" lvl="1" indent="-323850">
+              <a:lnSpc>
+                <a:spcPts val="4200"/>
+              </a:lnSpc>
+              <a:buFont typeface="Arial"/>
+              <a:buChar char="•"/>
+            </a:pPr>
+            <a:r>
+              <a:rPr lang="en-US" sz="3000">
+                <a:solidFill>
+                  <a:srgbClr val="000000"/>
+                </a:solidFill>
+                <a:latin typeface="Fredoka One"/>
+              </a:rPr>
+              <a:t>author</a:t>
+            </a:r>
+          </a:p>
+          <a:p>
+            <a:pPr marL="647700" lvl="1" indent="-323850">
+              <a:lnSpc>
+                <a:spcPts val="4200"/>
+              </a:lnSpc>
+              <a:buFont typeface="Arial"/>
+              <a:buChar char="•"/>
+            </a:pPr>
+            <a:r>
+              <a:rPr lang="en-US" sz="3000">
+                <a:solidFill>
+                  <a:srgbClr val="000000"/>
+                </a:solidFill>
+                <a:latin typeface="Fredoka One"/>
+              </a:rPr>
+              <a:t>number / type of interactions</a:t>
             </a:r>
           </a:p>
           <a:p>
@@ -4681,7 +4828,7 @@
                 </a:solidFill>
                 <a:latin typeface="Fredoka One"/>
               </a:rPr>
-              <a:t>The process involves taking any text and splitting it into "tokens"</a:t>
+              <a:t>But ultimately it is clear that most of the information must come from the body of the text. </a:t>
             </a:r>
           </a:p>
           <a:p>
@@ -4710,95 +4857,7 @@
                 </a:solidFill>
                 <a:latin typeface="Fredoka One"/>
               </a:rPr>
-              <a:t>Usually the tokens chosen are individual words but can be sentences as well.</a:t>
-            </a:r>
-          </a:p>
-        </p:txBody>
-      </p:sp>
-      <p:sp>
-        <p:nvSpPr>
-          <p:cNvPr id="6" name="TextBox 6"/>
-          <p:cNvSpPr txBox="1"/>
-          <p:nvPr/>
-        </p:nvSpPr>
-        <p:spPr>
-          <a:xfrm>
-            <a:off x="988854" y="8458200"/>
-            <a:ext cx="16996954" cy="800100"/>
-          </a:xfrm>
-          <a:prstGeom prst="rect">
-            <a:avLst/>
-          </a:prstGeom>
-        </p:spPr>
-        <p:txBody>
-          <a:bodyPr lIns="0" tIns="0" rIns="0" bIns="0" rtlCol="0" anchor="t">
-            <a:spAutoFit/>
-          </a:bodyPr>
-          <a:lstStyle/>
-          <a:p>
-            <a:pPr>
-              <a:lnSpc>
-                <a:spcPts val="2160"/>
-              </a:lnSpc>
-              <a:spcBef>
-                <a:spcPct val="0"/>
-              </a:spcBef>
-            </a:pPr>
-            <a:r>
-              <a:rPr lang="en-US" sz="1800" spc="36">
-                <a:solidFill>
-                  <a:srgbClr val="FF5757"/>
-                </a:solidFill>
-                <a:latin typeface="Fredoka One"/>
-              </a:rPr>
-              <a:t>PROBLEMS:</a:t>
-            </a:r>
-            <a:r>
-              <a:rPr lang="en-US" sz="1800" spc="36">
-                <a:solidFill>
-                  <a:srgbClr val="000000"/>
-                </a:solidFill>
-                <a:latin typeface="Fredoka One"/>
-              </a:rPr>
-              <a:t> YOU CAN LOSE IMPORTANT MEANING LIKE "NEW YORK" GETS SPLIT INTO "NEW" AND "YORK" THUS LOSING THE GEOGRAPHICAL MEANING. A GOOD MACHINE LEARNING APPLICATION WOULD TAKE THIS INTO CONSIDERATION BY CONSIDERING THE RELATIVE FREQUENCYOF PAIRS OF WORDS AND PERHAPS KEEP THOSE PAIRS AS A SINGLE WORD</a:t>
-            </a:r>
-          </a:p>
-        </p:txBody>
-      </p:sp>
-      <p:sp>
-        <p:nvSpPr>
-          <p:cNvPr id="7" name="TextBox 7"/>
-          <p:cNvSpPr txBox="1"/>
-          <p:nvPr/>
-        </p:nvSpPr>
-        <p:spPr>
-          <a:xfrm>
-            <a:off x="15931024" y="9127245"/>
-            <a:ext cx="2356976" cy="487637"/>
-          </a:xfrm>
-          <a:prstGeom prst="rect">
-            <a:avLst/>
-          </a:prstGeom>
-        </p:spPr>
-        <p:txBody>
-          <a:bodyPr lIns="0" tIns="0" rIns="0" bIns="0" rtlCol="0" anchor="t">
-            <a:spAutoFit/>
-          </a:bodyPr>
-          <a:lstStyle/>
-          <a:p>
-            <a:pPr>
-              <a:lnSpc>
-                <a:spcPts val="4218"/>
-              </a:lnSpc>
-            </a:pPr>
-            <a:r>
-              <a:rPr lang="en-US" sz="3013">
-                <a:solidFill>
-                  <a:srgbClr val="000000"/>
-                </a:solidFill>
-                <a:latin typeface="Fredoka One"/>
-              </a:rPr>
-              <a:t>To collab...</a:t>
+              <a:t>We have seen the bag-of-words model before, but that approach had some shortcomings that we will try to address in this class.</a:t>
             </a:r>
           </a:p>
         </p:txBody>
@@ -4871,8 +4930,8 @@
         </p:blipFill>
         <p:spPr>
           <a:xfrm>
-            <a:off x="7400260" y="2590720"/>
-            <a:ext cx="9960557" cy="5640166"/>
+            <a:off x="7758829" y="1760220"/>
+            <a:ext cx="10266825" cy="6234948"/>
           </a:xfrm>
           <a:prstGeom prst="rect">
             <a:avLst/>
@@ -4925,8 +4984,8 @@
         </p:nvSpPr>
         <p:spPr>
           <a:xfrm>
-            <a:off x="1028700" y="2777839"/>
-            <a:ext cx="6144892" cy="5753291"/>
+            <a:off x="1399271" y="2652007"/>
+            <a:ext cx="6359558" cy="4019106"/>
           </a:xfrm>
           <a:prstGeom prst="rect">
             <a:avLst/>
@@ -4940,26 +4999,26 @@
           <a:p>
             <a:pPr>
               <a:lnSpc>
-                <a:spcPts val="4303"/>
-              </a:lnSpc>
-            </a:pPr>
-            <a:r>
-              <a:rPr lang="en-US" sz="3073">
+                <a:spcPts val="4200"/>
+              </a:lnSpc>
+            </a:pPr>
+            <a:r>
+              <a:rPr lang="en-US" sz="3000">
                 <a:solidFill>
                   <a:srgbClr val="000000"/>
                 </a:solidFill>
                 <a:latin typeface="Fredoka One"/>
               </a:rPr>
-              <a:t>Part-of-Speech tagging (POS)</a:t>
-            </a:r>
-          </a:p>
-          <a:p>
-            <a:pPr>
-              <a:lnSpc>
-                <a:spcPts val="4303"/>
-              </a:lnSpc>
-            </a:pPr>
-            <a:endParaRPr lang="en-US" sz="3073">
+              <a:t>Tokenization</a:t>
+            </a:r>
+          </a:p>
+          <a:p>
+            <a:pPr>
+              <a:lnSpc>
+                <a:spcPts val="4200"/>
+              </a:lnSpc>
+            </a:pPr>
+            <a:endParaRPr lang="en-US" sz="3000">
               <a:solidFill>
                 <a:srgbClr val="000000"/>
               </a:solidFill>
@@ -4969,26 +5028,26 @@
           <a:p>
             <a:pPr>
               <a:lnSpc>
-                <a:spcPts val="4303"/>
-              </a:lnSpc>
-            </a:pPr>
-            <a:r>
-              <a:rPr lang="en-US" sz="3073">
+                <a:spcPts val="4200"/>
+              </a:lnSpc>
+            </a:pPr>
+            <a:r>
+              <a:rPr lang="en-US" sz="3000">
                 <a:solidFill>
                   <a:srgbClr val="000000"/>
                 </a:solidFill>
                 <a:latin typeface="Fredoka One"/>
               </a:rPr>
-              <a:t>Can be a very valuable feature</a:t>
-            </a:r>
-          </a:p>
-          <a:p>
-            <a:pPr>
-              <a:lnSpc>
-                <a:spcPts val="4303"/>
-              </a:lnSpc>
-            </a:pPr>
-            <a:endParaRPr lang="en-US" sz="3073">
+              <a:t>The process involves taking any text and splitting it into "tokens"</a:t>
+            </a:r>
+          </a:p>
+          <a:p>
+            <a:pPr>
+              <a:lnSpc>
+                <a:spcPts val="4200"/>
+              </a:lnSpc>
+            </a:pPr>
+            <a:endParaRPr lang="en-US" sz="3000">
               <a:solidFill>
                 <a:srgbClr val="000000"/>
               </a:solidFill>
@@ -4998,66 +5057,74 @@
           <a:p>
             <a:pPr>
               <a:lnSpc>
-                <a:spcPts val="4303"/>
-              </a:lnSpc>
-            </a:pPr>
-            <a:r>
-              <a:rPr lang="en-US" sz="3073">
+                <a:spcPts val="4200"/>
+              </a:lnSpc>
+            </a:pPr>
+            <a:r>
+              <a:rPr lang="en-US" sz="3000">
                 <a:solidFill>
                   <a:srgbClr val="000000"/>
                 </a:solidFill>
                 <a:latin typeface="Fredoka One"/>
               </a:rPr>
-              <a:t>Used heavily in Natural Language Generation (NLG)</a:t>
-            </a:r>
-          </a:p>
-          <a:p>
-            <a:pPr>
-              <a:lnSpc>
-                <a:spcPts val="4303"/>
-              </a:lnSpc>
-            </a:pPr>
-            <a:endParaRPr lang="en-US" sz="3073">
-              <a:solidFill>
-                <a:srgbClr val="000000"/>
-              </a:solidFill>
-              <a:latin typeface="Fredoka One"/>
-            </a:endParaRPr>
-          </a:p>
-          <a:p>
-            <a:pPr>
-              <a:lnSpc>
-                <a:spcPts val="4303"/>
-              </a:lnSpc>
-            </a:pPr>
-            <a:r>
-              <a:rPr lang="en-US" sz="3073">
+              <a:t>Usually the tokens chosen are individual words but can be sentences as well.</a:t>
+            </a:r>
+          </a:p>
+        </p:txBody>
+      </p:sp>
+      <p:sp>
+        <p:nvSpPr>
+          <p:cNvPr id="6" name="TextBox 6"/>
+          <p:cNvSpPr txBox="1"/>
+          <p:nvPr/>
+        </p:nvSpPr>
+        <p:spPr>
+          <a:xfrm>
+            <a:off x="988854" y="8458200"/>
+            <a:ext cx="16996954" cy="800100"/>
+          </a:xfrm>
+          <a:prstGeom prst="rect">
+            <a:avLst/>
+          </a:prstGeom>
+        </p:spPr>
+        <p:txBody>
+          <a:bodyPr lIns="0" tIns="0" rIns="0" bIns="0" rtlCol="0" anchor="t">
+            <a:spAutoFit/>
+          </a:bodyPr>
+          <a:lstStyle/>
+          <a:p>
+            <a:pPr>
+              <a:lnSpc>
+                <a:spcPts val="2160"/>
+              </a:lnSpc>
+              <a:spcBef>
+                <a:spcPct val="0"/>
+              </a:spcBef>
+            </a:pPr>
+            <a:r>
+              <a:rPr lang="en-US" sz="1800" spc="36">
+                <a:solidFill>
+                  <a:srgbClr val="FF5757"/>
+                </a:solidFill>
+                <a:latin typeface="Fredoka One"/>
+              </a:rPr>
+              <a:t>PROBLEMS:</a:t>
+            </a:r>
+            <a:r>
+              <a:rPr lang="en-US" sz="1800" spc="36">
                 <a:solidFill>
                   <a:srgbClr val="000000"/>
                 </a:solidFill>
                 <a:latin typeface="Fredoka One"/>
               </a:rPr>
-              <a:t>In that usecase the "next word" is heavily dependent on the previous</a:t>
-            </a:r>
-          </a:p>
-          <a:p>
-            <a:pPr>
-              <a:lnSpc>
-                <a:spcPts val="4303"/>
-              </a:lnSpc>
-            </a:pPr>
-            <a:endParaRPr lang="en-US" sz="3073">
-              <a:solidFill>
-                <a:srgbClr val="000000"/>
-              </a:solidFill>
-              <a:latin typeface="Fredoka One"/>
-            </a:endParaRPr>
-          </a:p>
-        </p:txBody>
-      </p:sp>
-      <p:sp>
-        <p:nvSpPr>
-          <p:cNvPr id="6" name="TextBox 6"/>
+              <a:t> YOU CAN LOSE IMPORTANT MEANING LIKE "NEW YORK" GETS SPLIT INTO "NEW" AND "YORK" THUS LOSING THE GEOGRAPHICAL MEANING. A GOOD MACHINE LEARNING APPLICATION WOULD TAKE THIS INTO CONSIDERATION BY CONSIDERING THE RELATIVE FREQUENCYOF PAIRS OF WORDS AND PERHAPS KEEP THOSE PAIRS AS A SINGLE WORD</a:t>
+            </a:r>
+          </a:p>
+        </p:txBody>
+      </p:sp>
+      <p:sp>
+        <p:nvSpPr>
+          <p:cNvPr id="7" name="TextBox 7"/>
           <p:cNvSpPr txBox="1"/>
           <p:nvPr/>
         </p:nvSpPr>
@@ -5161,8 +5228,8 @@
         </p:blipFill>
         <p:spPr>
           <a:xfrm>
-            <a:off x="9972400" y="3144457"/>
-            <a:ext cx="6588554" cy="4935056"/>
+            <a:off x="7400260" y="2590720"/>
+            <a:ext cx="9960557" cy="5640166"/>
           </a:xfrm>
           <a:prstGeom prst="rect">
             <a:avLst/>
@@ -5215,8 +5282,8 @@
         </p:nvSpPr>
         <p:spPr>
           <a:xfrm>
-            <a:off x="1380221" y="2652007"/>
-            <a:ext cx="8107110" cy="6038184"/>
+            <a:off x="1028700" y="2777839"/>
+            <a:ext cx="6144892" cy="5753291"/>
           </a:xfrm>
           <a:prstGeom prst="rect">
             <a:avLst/>
@@ -5230,26 +5297,26 @@
           <a:p>
             <a:pPr>
               <a:lnSpc>
-                <a:spcPts val="4200"/>
-              </a:lnSpc>
-            </a:pPr>
-            <a:r>
-              <a:rPr lang="en-US" sz="3000">
+                <a:spcPts val="4303"/>
+              </a:lnSpc>
+            </a:pPr>
+            <a:r>
+              <a:rPr lang="en-US" sz="3073">
                 <a:solidFill>
                   <a:srgbClr val="000000"/>
                 </a:solidFill>
                 <a:latin typeface="Fredoka One"/>
               </a:rPr>
-              <a:t>Stemming</a:t>
-            </a:r>
-          </a:p>
-          <a:p>
-            <a:pPr>
-              <a:lnSpc>
-                <a:spcPts val="4200"/>
-              </a:lnSpc>
-            </a:pPr>
-            <a:endParaRPr lang="en-US" sz="3000">
+              <a:t>Part-of-Speech tagging (POS)</a:t>
+            </a:r>
+          </a:p>
+          <a:p>
+            <a:pPr>
+              <a:lnSpc>
+                <a:spcPts val="4303"/>
+              </a:lnSpc>
+            </a:pPr>
+            <a:endParaRPr lang="en-US" sz="3073">
               <a:solidFill>
                 <a:srgbClr val="000000"/>
               </a:solidFill>
@@ -5259,42 +5326,26 @@
           <a:p>
             <a:pPr>
               <a:lnSpc>
-                <a:spcPts val="4200"/>
-              </a:lnSpc>
-            </a:pPr>
-            <a:r>
-              <a:rPr lang="en-US" sz="3000">
+                <a:spcPts val="4303"/>
+              </a:lnSpc>
+            </a:pPr>
+            <a:r>
+              <a:rPr lang="en-US" sz="3073">
                 <a:solidFill>
                   <a:srgbClr val="000000"/>
                 </a:solidFill>
                 <a:latin typeface="Fredoka One"/>
               </a:rPr>
-              <a:t>Removing prefixes and suffixes in order to</a:t>
-            </a:r>
-          </a:p>
-          <a:p>
-            <a:pPr>
-              <a:lnSpc>
-                <a:spcPts val="4200"/>
-              </a:lnSpc>
-            </a:pPr>
-            <a:r>
-              <a:rPr lang="en-US" sz="3000">
-                <a:solidFill>
-                  <a:srgbClr val="000000"/>
-                </a:solidFill>
-                <a:latin typeface="Fredoka One"/>
-              </a:rPr>
-              <a:t>reduce synonym words into their common form</a:t>
-            </a:r>
-          </a:p>
-          <a:p>
-            <a:pPr>
-              <a:lnSpc>
-                <a:spcPts val="4200"/>
-              </a:lnSpc>
-            </a:pPr>
-            <a:endParaRPr lang="en-US" sz="3000">
+              <a:t>Can be a very valuable feature</a:t>
+            </a:r>
+          </a:p>
+          <a:p>
+            <a:pPr>
+              <a:lnSpc>
+                <a:spcPts val="4303"/>
+              </a:lnSpc>
+            </a:pPr>
+            <a:endParaRPr lang="en-US" sz="3073">
               <a:solidFill>
                 <a:srgbClr val="000000"/>
               </a:solidFill>
@@ -5304,10 +5355,26 @@
           <a:p>
             <a:pPr>
               <a:lnSpc>
-                <a:spcPts val="4200"/>
-              </a:lnSpc>
-            </a:pPr>
-            <a:endParaRPr lang="en-US" sz="3000">
+                <a:spcPts val="4303"/>
+              </a:lnSpc>
+            </a:pPr>
+            <a:r>
+              <a:rPr lang="en-US" sz="3073">
+                <a:solidFill>
+                  <a:srgbClr val="000000"/>
+                </a:solidFill>
+                <a:latin typeface="Fredoka One"/>
+              </a:rPr>
+              <a:t>Used heavily in Natural Language Generation (NLG)</a:t>
+            </a:r>
+          </a:p>
+          <a:p>
+            <a:pPr>
+              <a:lnSpc>
+                <a:spcPts val="4303"/>
+              </a:lnSpc>
+            </a:pPr>
+            <a:endParaRPr lang="en-US" sz="3073">
               <a:solidFill>
                 <a:srgbClr val="000000"/>
               </a:solidFill>
@@ -5317,63 +5384,31 @@
           <a:p>
             <a:pPr>
               <a:lnSpc>
-                <a:spcPts val="4200"/>
-              </a:lnSpc>
-            </a:pPr>
-            <a:r>
-              <a:rPr lang="en-US" sz="3000">
+                <a:spcPts val="4303"/>
+              </a:lnSpc>
+            </a:pPr>
+            <a:r>
+              <a:rPr lang="en-US" sz="3073">
                 <a:solidFill>
                   <a:srgbClr val="000000"/>
                 </a:solidFill>
                 <a:latin typeface="Fredoka One"/>
               </a:rPr>
-              <a:t>This can lead to some problems of creating spurious relations</a:t>
-            </a:r>
-          </a:p>
-          <a:p>
-            <a:pPr>
-              <a:lnSpc>
-                <a:spcPts val="4200"/>
-              </a:lnSpc>
-            </a:pPr>
-            <a:endParaRPr lang="en-US" sz="3000">
+              <a:t>In that usecase the "next word" is heavily dependent on the previous</a:t>
+            </a:r>
+          </a:p>
+          <a:p>
+            <a:pPr>
+              <a:lnSpc>
+                <a:spcPts val="4303"/>
+              </a:lnSpc>
+            </a:pPr>
+            <a:endParaRPr lang="en-US" sz="3073">
               <a:solidFill>
                 <a:srgbClr val="000000"/>
               </a:solidFill>
               <a:latin typeface="Fredoka One"/>
             </a:endParaRPr>
-          </a:p>
-          <a:p>
-            <a:pPr>
-              <a:lnSpc>
-                <a:spcPts val="4200"/>
-              </a:lnSpc>
-            </a:pPr>
-            <a:r>
-              <a:rPr lang="en-US" sz="3000">
-                <a:solidFill>
-                  <a:srgbClr val="FF5757"/>
-                </a:solidFill>
-                <a:latin typeface="Fredoka One"/>
-              </a:rPr>
-              <a:t>Stripes -&gt; Strip</a:t>
-            </a:r>
-          </a:p>
-          <a:p>
-            <a:pPr>
-              <a:lnSpc>
-                <a:spcPts val="4200"/>
-              </a:lnSpc>
-            </a:pPr>
-            <a:r>
-              <a:rPr lang="en-US" sz="3000">
-                <a:solidFill>
-                  <a:srgbClr val="FF5757"/>
-                </a:solidFill>
-                <a:latin typeface="Fredoka One"/>
-              </a:rPr>
-              <a:t>Strip -&gt; Strip</a:t>
-            </a:r>
           </a:p>
         </p:txBody>
       </p:sp>
@@ -5483,8 +5518,8 @@
         </p:blipFill>
         <p:spPr>
           <a:xfrm>
-            <a:off x="7468600" y="3548100"/>
-            <a:ext cx="9790700" cy="3091800"/>
+            <a:off x="9972400" y="3144457"/>
+            <a:ext cx="6588554" cy="4935056"/>
           </a:xfrm>
           <a:prstGeom prst="rect">
             <a:avLst/>
@@ -5537,8 +5572,8 @@
         </p:nvSpPr>
         <p:spPr>
           <a:xfrm>
-            <a:off x="949008" y="3490950"/>
-            <a:ext cx="5935778" cy="3561449"/>
+            <a:off x="1380221" y="2652007"/>
+            <a:ext cx="8107110" cy="6038184"/>
           </a:xfrm>
           <a:prstGeom prst="rect">
             <a:avLst/>
@@ -5558,12 +5593,32 @@
             <a:r>
               <a:rPr lang="en-US" sz="3000">
                 <a:solidFill>
-                  <a:srgbClr val="008037"/>
-                </a:solidFill>
-                <a:latin typeface="Fredoka One"/>
-              </a:rPr>
-              <a:t>lemmatization</a:t>
-            </a:r>
+                  <a:srgbClr val="000000"/>
+                </a:solidFill>
+                <a:latin typeface="Fredoka One"/>
+              </a:rPr>
+              <a:t>Stemming</a:t>
+            </a:r>
+          </a:p>
+          <a:p>
+            <a:pPr>
+              <a:lnSpc>
+                <a:spcPts val="4200"/>
+              </a:lnSpc>
+            </a:pPr>
+            <a:endParaRPr lang="en-US" sz="3000">
+              <a:solidFill>
+                <a:srgbClr val="000000"/>
+              </a:solidFill>
+              <a:latin typeface="Fredoka One"/>
+            </a:endParaRPr>
+          </a:p>
+          <a:p>
+            <a:pPr>
+              <a:lnSpc>
+                <a:spcPts val="4200"/>
+              </a:lnSpc>
+            </a:pPr>
             <a:r>
               <a:rPr lang="en-US" sz="3000">
                 <a:solidFill>
@@ -5571,39 +5626,117 @@
                 </a:solidFill>
                 <a:latin typeface="Fredoka One"/>
               </a:rPr>
-              <a:t> looks beyond word reduction and considers a language’s full vocabulary to apply a morphological analysis to words. The lemma of ‘was’ is ‘be’ and the lemma of ‘mice’ is ‘mouse’.</a:t>
-            </a:r>
-          </a:p>
-        </p:txBody>
-      </p:sp>
-      <p:pic>
-        <p:nvPicPr>
-          <p:cNvPr id="6" name="Picture 6"/>
-          <p:cNvPicPr>
-            <a:picLocks noChangeAspect="1"/>
-          </p:cNvPicPr>
-          <p:nvPr/>
-        </p:nvPicPr>
-        <p:blipFill>
-          <a:blip r:embed="rId3"/>
-          <a:srcRect/>
-          <a:stretch>
-            <a:fillRect/>
-          </a:stretch>
-        </p:blipFill>
-        <p:spPr>
-          <a:xfrm>
-            <a:off x="6648517" y="6780981"/>
-            <a:ext cx="10610783" cy="2143414"/>
-          </a:xfrm>
-          <a:prstGeom prst="rect">
-            <a:avLst/>
-          </a:prstGeom>
-        </p:spPr>
-      </p:pic>
-      <p:sp>
-        <p:nvSpPr>
-          <p:cNvPr id="7" name="TextBox 7"/>
+              <a:t>Removing prefixes and suffixes in order to</a:t>
+            </a:r>
+          </a:p>
+          <a:p>
+            <a:pPr>
+              <a:lnSpc>
+                <a:spcPts val="4200"/>
+              </a:lnSpc>
+            </a:pPr>
+            <a:r>
+              <a:rPr lang="en-US" sz="3000">
+                <a:solidFill>
+                  <a:srgbClr val="000000"/>
+                </a:solidFill>
+                <a:latin typeface="Fredoka One"/>
+              </a:rPr>
+              <a:t>reduce synonym words into their common form</a:t>
+            </a:r>
+          </a:p>
+          <a:p>
+            <a:pPr>
+              <a:lnSpc>
+                <a:spcPts val="4200"/>
+              </a:lnSpc>
+            </a:pPr>
+            <a:endParaRPr lang="en-US" sz="3000">
+              <a:solidFill>
+                <a:srgbClr val="000000"/>
+              </a:solidFill>
+              <a:latin typeface="Fredoka One"/>
+            </a:endParaRPr>
+          </a:p>
+          <a:p>
+            <a:pPr>
+              <a:lnSpc>
+                <a:spcPts val="4200"/>
+              </a:lnSpc>
+            </a:pPr>
+            <a:endParaRPr lang="en-US" sz="3000">
+              <a:solidFill>
+                <a:srgbClr val="000000"/>
+              </a:solidFill>
+              <a:latin typeface="Fredoka One"/>
+            </a:endParaRPr>
+          </a:p>
+          <a:p>
+            <a:pPr>
+              <a:lnSpc>
+                <a:spcPts val="4200"/>
+              </a:lnSpc>
+            </a:pPr>
+            <a:r>
+              <a:rPr lang="en-US" sz="3000">
+                <a:solidFill>
+                  <a:srgbClr val="000000"/>
+                </a:solidFill>
+                <a:latin typeface="Fredoka One"/>
+              </a:rPr>
+              <a:t>This can lead to some problems of creating spurious relations</a:t>
+            </a:r>
+          </a:p>
+          <a:p>
+            <a:pPr>
+              <a:lnSpc>
+                <a:spcPts val="4200"/>
+              </a:lnSpc>
+            </a:pPr>
+            <a:endParaRPr lang="en-US" sz="3000">
+              <a:solidFill>
+                <a:srgbClr val="000000"/>
+              </a:solidFill>
+              <a:latin typeface="Fredoka One"/>
+            </a:endParaRPr>
+          </a:p>
+          <a:p>
+            <a:pPr>
+              <a:lnSpc>
+                <a:spcPts val="4200"/>
+              </a:lnSpc>
+            </a:pPr>
+            <a:r>
+              <a:rPr lang="en-US" sz="3000">
+                <a:solidFill>
+                  <a:srgbClr val="FF5757"/>
+                </a:solidFill>
+                <a:latin typeface="Fredoka One"/>
+              </a:rPr>
+              <a:t>Stripes -&gt; Strip</a:t>
+            </a:r>
+          </a:p>
+          <a:p>
+            <a:pPr>
+              <a:lnSpc>
+                <a:spcPts val="4200"/>
+              </a:lnSpc>
+            </a:pPr>
+            <a:r>
+              <a:rPr lang="en-US" sz="3000">
+                <a:solidFill>
+                  <a:srgbClr val="FF5757"/>
+                </a:solidFill>
+                <a:latin typeface="Fredoka One"/>
+              </a:rPr>
+              <a:t>Strip -&gt; Strip</a:t>
+            </a:r>
+          </a:p>
+        </p:txBody>
+      </p:sp>
+      <p:sp>
+        <p:nvSpPr>
+          <p:cNvPr id="6" name="TextBox 6"/>
           <p:cNvSpPr txBox="1"/>
           <p:nvPr/>
         </p:nvSpPr>
@@ -5707,8 +5840,8 @@
         </p:blipFill>
         <p:spPr>
           <a:xfrm>
-            <a:off x="9150150" y="2709157"/>
-            <a:ext cx="8115300" cy="6301292"/>
+            <a:off x="7468600" y="3548100"/>
+            <a:ext cx="9790700" cy="3091800"/>
           </a:xfrm>
           <a:prstGeom prst="rect">
             <a:avLst/>
@@ -5761,8 +5894,8 @@
         </p:nvSpPr>
         <p:spPr>
           <a:xfrm>
-            <a:off x="1380221" y="2652007"/>
-            <a:ext cx="7373030" cy="485720"/>
+            <a:off x="949008" y="3490950"/>
+            <a:ext cx="5935778" cy="3561449"/>
           </a:xfrm>
           <a:prstGeom prst="rect">
             <a:avLst/>
@@ -5782,53 +5915,49 @@
             <a:r>
               <a:rPr lang="en-US" sz="3000">
                 <a:solidFill>
+                  <a:srgbClr val="008037"/>
+                </a:solidFill>
+                <a:latin typeface="Fredoka One"/>
+              </a:rPr>
+              <a:t>lemmatization</a:t>
+            </a:r>
+            <a:r>
+              <a:rPr lang="en-US" sz="3000">
+                <a:solidFill>
                   <a:srgbClr val="000000"/>
                 </a:solidFill>
                 <a:latin typeface="Fredoka One"/>
               </a:rPr>
-              <a:t>Removal of stop words</a:t>
-            </a:r>
-          </a:p>
-        </p:txBody>
-      </p:sp>
-      <p:sp>
-        <p:nvSpPr>
-          <p:cNvPr id="6" name="TextBox 6"/>
-          <p:cNvSpPr txBox="1"/>
+              <a:t> looks beyond word reduction and considers a language’s full vocabulary to apply a morphological analysis to words. The lemma of ‘was’ is ‘be’ and the lemma of ‘mice’ is ‘mouse’.</a:t>
+            </a:r>
+          </a:p>
+        </p:txBody>
+      </p:sp>
+      <p:pic>
+        <p:nvPicPr>
+          <p:cNvPr id="6" name="Picture 6"/>
+          <p:cNvPicPr>
+            <a:picLocks noChangeAspect="1"/>
+          </p:cNvPicPr>
           <p:nvPr/>
-        </p:nvSpPr>
-        <p:spPr>
-          <a:xfrm>
-            <a:off x="1380221" y="3319488"/>
-            <a:ext cx="7373030" cy="1515449"/>
+        </p:nvPicPr>
+        <p:blipFill>
+          <a:blip r:embed="rId3"/>
+          <a:srcRect/>
+          <a:stretch>
+            <a:fillRect/>
+          </a:stretch>
+        </p:blipFill>
+        <p:spPr>
+          <a:xfrm>
+            <a:off x="6648517" y="6780981"/>
+            <a:ext cx="10610783" cy="2143414"/>
           </a:xfrm>
           <a:prstGeom prst="rect">
             <a:avLst/>
           </a:prstGeom>
         </p:spPr>
-        <p:txBody>
-          <a:bodyPr lIns="0" tIns="0" rIns="0" bIns="0" rtlCol="0" anchor="t">
-            <a:spAutoFit/>
-          </a:bodyPr>
-          <a:lstStyle/>
-          <a:p>
-            <a:pPr>
-              <a:lnSpc>
-                <a:spcPts val="4200"/>
-              </a:lnSpc>
-            </a:pPr>
-            <a:r>
-              <a:rPr lang="en-US" sz="3000">
-                <a:solidFill>
-                  <a:srgbClr val="000000"/>
-                </a:solidFill>
-                <a:latin typeface="Fredoka One"/>
-              </a:rPr>
-              <a:t>Stop words are common words which are usually removed to not be interpreted as noise</a:t>
-            </a:r>
-          </a:p>
-        </p:txBody>
-      </p:sp>
+      </p:pic>
       <p:sp>
         <p:nvSpPr>
           <p:cNvPr id="7" name="TextBox 7"/>
@@ -5918,121 +6047,79 @@
           </a:p>
         </p:txBody>
       </p:sp>
-      <p:sp>
-        <p:nvSpPr>
-          <p:cNvPr id="3" name="TextBox 3"/>
-          <p:cNvSpPr txBox="1"/>
+      <p:pic>
+        <p:nvPicPr>
+          <p:cNvPr id="3" name="Picture 3"/>
+          <p:cNvPicPr>
+            <a:picLocks noChangeAspect="1"/>
+          </p:cNvPicPr>
           <p:nvPr/>
-        </p:nvSpPr>
-        <p:spPr>
-          <a:xfrm>
-            <a:off x="1380221" y="3319488"/>
-            <a:ext cx="15539858" cy="4072948"/>
+        </p:nvPicPr>
+        <p:blipFill>
+          <a:blip r:embed="rId2"/>
+          <a:srcRect/>
+          <a:stretch>
+            <a:fillRect/>
+          </a:stretch>
+        </p:blipFill>
+        <p:spPr>
+          <a:xfrm>
+            <a:off x="9150150" y="2709157"/>
+            <a:ext cx="8115300" cy="6301292"/>
           </a:xfrm>
           <a:prstGeom prst="rect">
             <a:avLst/>
           </a:prstGeom>
         </p:spPr>
+      </p:pic>
+      <p:sp>
+        <p:nvSpPr>
+          <p:cNvPr id="4" name="TextBox 4"/>
+          <p:cNvSpPr txBox="1"/>
+          <p:nvPr/>
+        </p:nvSpPr>
+        <p:spPr>
+          <a:xfrm>
+            <a:off x="949008" y="1028700"/>
+            <a:ext cx="17076646" cy="731520"/>
+          </a:xfrm>
+          <a:prstGeom prst="rect">
+            <a:avLst/>
+          </a:prstGeom>
+        </p:spPr>
         <p:txBody>
           <a:bodyPr lIns="0" tIns="0" rIns="0" bIns="0" rtlCol="0" anchor="t">
             <a:spAutoFit/>
           </a:bodyPr>
           <a:lstStyle/>
           <a:p>
-            <a:pPr>
-              <a:lnSpc>
-                <a:spcPts val="4200"/>
-              </a:lnSpc>
-            </a:pPr>
-            <a:r>
-              <a:rPr lang="en-US" sz="3000">
-                <a:solidFill>
-                  <a:srgbClr val="000000"/>
-                </a:solidFill>
-                <a:latin typeface="Fredoka One"/>
-              </a:rPr>
-              <a:t>Bag of Words model is a standard way to decompose any text into several features that can then be used to train a classifier.</a:t>
-            </a:r>
-          </a:p>
-          <a:p>
-            <a:pPr>
-              <a:lnSpc>
-                <a:spcPts val="4200"/>
-              </a:lnSpc>
-            </a:pPr>
-            <a:endParaRPr lang="en-US" sz="3000">
-              <a:solidFill>
-                <a:srgbClr val="000000"/>
-              </a:solidFill>
-              <a:latin typeface="Fredoka One"/>
-            </a:endParaRPr>
-          </a:p>
-          <a:p>
-            <a:pPr>
-              <a:lnSpc>
-                <a:spcPts val="4200"/>
-              </a:lnSpc>
-            </a:pPr>
-            <a:r>
-              <a:rPr lang="en-US" sz="3000">
-                <a:solidFill>
-                  <a:srgbClr val="000000"/>
-                </a:solidFill>
-                <a:latin typeface="Fredoka One"/>
-              </a:rPr>
-              <a:t>The method consists of taking all the words from all the corpuses/documents/rows and performing one-hot encoding. However, the final value is a frequency of the word rather than a binary variable</a:t>
-            </a:r>
-          </a:p>
-          <a:p>
-            <a:pPr>
-              <a:lnSpc>
-                <a:spcPts val="4200"/>
-              </a:lnSpc>
-            </a:pPr>
-            <a:endParaRPr lang="en-US" sz="3000">
-              <a:solidFill>
-                <a:srgbClr val="000000"/>
-              </a:solidFill>
-              <a:latin typeface="Fredoka One"/>
-            </a:endParaRPr>
-          </a:p>
-          <a:p>
-            <a:pPr>
-              <a:lnSpc>
-                <a:spcPts val="4200"/>
-              </a:lnSpc>
-            </a:pPr>
-            <a:r>
-              <a:rPr lang="en-US" sz="3000">
-                <a:solidFill>
-                  <a:srgbClr val="000000"/>
-                </a:solidFill>
-                <a:latin typeface="Fredoka One"/>
-              </a:rPr>
-              <a:t>In essence, each </a:t>
-            </a:r>
-            <a:r>
-              <a:rPr lang="en-US" sz="3000">
-                <a:solidFill>
-                  <a:srgbClr val="008037"/>
-                </a:solidFill>
-                <a:latin typeface="Fredoka One"/>
-              </a:rPr>
-              <a:t>distinct word becomes a feature </a:t>
-            </a:r>
-          </a:p>
-        </p:txBody>
-      </p:sp>
-      <p:sp>
-        <p:nvSpPr>
-          <p:cNvPr id="4" name="TextBox 4"/>
+            <a:pPr algn="l">
+              <a:lnSpc>
+                <a:spcPts val="5759"/>
+              </a:lnSpc>
+            </a:pPr>
+            <a:r>
+              <a:rPr lang="en-US" sz="4800" spc="96">
+                <a:solidFill>
+                  <a:srgbClr val="2199D4"/>
+                </a:solidFill>
+                <a:latin typeface="Fredoka One"/>
+              </a:rPr>
+              <a:t>TEXT DATA CLEANING TECHNIQUES</a:t>
+            </a:r>
+          </a:p>
+        </p:txBody>
+      </p:sp>
+      <p:sp>
+        <p:nvSpPr>
+          <p:cNvPr id="5" name="TextBox 5"/>
           <p:cNvSpPr txBox="1"/>
           <p:nvPr/>
         </p:nvSpPr>
         <p:spPr>
           <a:xfrm>
-            <a:off x="949008" y="1028700"/>
-            <a:ext cx="17076646" cy="731520"/>
+            <a:off x="1380221" y="2652007"/>
+            <a:ext cx="7373030" cy="485720"/>
           </a:xfrm>
           <a:prstGeom prst="rect">
             <a:avLst/>
@@ -6044,19 +6131,95 @@
           </a:bodyPr>
           <a:lstStyle/>
           <a:p>
-            <a:pPr algn="l">
-              <a:lnSpc>
-                <a:spcPts val="5759"/>
-              </a:lnSpc>
-            </a:pPr>
-            <a:r>
-              <a:rPr lang="en-US" sz="4800" spc="96">
-                <a:solidFill>
-                  <a:srgbClr val="2199D4"/>
-                </a:solidFill>
-                <a:latin typeface="Fredoka One"/>
-              </a:rPr>
-              <a:t>BAG OF WORDS</a:t>
+            <a:pPr>
+              <a:lnSpc>
+                <a:spcPts val="4200"/>
+              </a:lnSpc>
+            </a:pPr>
+            <a:r>
+              <a:rPr lang="en-US" sz="3000">
+                <a:solidFill>
+                  <a:srgbClr val="000000"/>
+                </a:solidFill>
+                <a:latin typeface="Fredoka One"/>
+              </a:rPr>
+              <a:t>Removal of stop words</a:t>
+            </a:r>
+          </a:p>
+        </p:txBody>
+      </p:sp>
+      <p:sp>
+        <p:nvSpPr>
+          <p:cNvPr id="6" name="TextBox 6"/>
+          <p:cNvSpPr txBox="1"/>
+          <p:nvPr/>
+        </p:nvSpPr>
+        <p:spPr>
+          <a:xfrm>
+            <a:off x="1380221" y="3319488"/>
+            <a:ext cx="7373030" cy="1515449"/>
+          </a:xfrm>
+          <a:prstGeom prst="rect">
+            <a:avLst/>
+          </a:prstGeom>
+        </p:spPr>
+        <p:txBody>
+          <a:bodyPr lIns="0" tIns="0" rIns="0" bIns="0" rtlCol="0" anchor="t">
+            <a:spAutoFit/>
+          </a:bodyPr>
+          <a:lstStyle/>
+          <a:p>
+            <a:pPr>
+              <a:lnSpc>
+                <a:spcPts val="4200"/>
+              </a:lnSpc>
+            </a:pPr>
+            <a:r>
+              <a:rPr lang="en-US" sz="3000">
+                <a:solidFill>
+                  <a:srgbClr val="000000"/>
+                </a:solidFill>
+                <a:latin typeface="Fredoka One"/>
+              </a:rPr>
+              <a:t>Stop words are common words which are usually removed to not be interpreted as noise</a:t>
+            </a:r>
+          </a:p>
+        </p:txBody>
+      </p:sp>
+      <p:sp>
+        <p:nvSpPr>
+          <p:cNvPr id="7" name="TextBox 7"/>
+          <p:cNvSpPr txBox="1"/>
+          <p:nvPr/>
+        </p:nvSpPr>
+        <p:spPr>
+          <a:xfrm>
+            <a:off x="15931024" y="9127245"/>
+            <a:ext cx="2356976" cy="487637"/>
+          </a:xfrm>
+          <a:prstGeom prst="rect">
+            <a:avLst/>
+          </a:prstGeom>
+        </p:spPr>
+        <p:txBody>
+          <a:bodyPr lIns="0" tIns="0" rIns="0" bIns="0" rtlCol="0" anchor="t">
+            <a:spAutoFit/>
+          </a:bodyPr>
+          <a:lstStyle/>
+          <a:p>
+            <a:pPr>
+              <a:lnSpc>
+                <a:spcPts val="4218"/>
+              </a:lnSpc>
+            </a:pPr>
+            <a:r>
+              <a:rPr lang="en-US" sz="3013">
+                <a:solidFill>
+                  <a:srgbClr val="000000"/>
+                </a:solidFill>
+                <a:latin typeface="Fredoka One"/>
+              </a:rPr>
+              <a:t>To collab...</a:t>
             </a:r>
           </a:p>
         </p:txBody>
